--- a/w46/w46.pptx
+++ b/w46/w46.pptx
@@ -3142,7 +3142,10 @@
               <a:rPr lang="en-GB" dirty="0" err="1"/>
               <a:t>NetworkManager</a:t>
             </a:r>
-            <a:endParaRPr lang="en-GB" dirty="0"/>
+            <a:r>
+              <a:rPr lang="en-GB" dirty="0"/>
+              <a:t> GUI</a:t>
+            </a:r>
           </a:p>
           <a:p>
             <a:pPr marL="800100" lvl="1" indent="-342900" algn="l">
@@ -3206,6 +3209,17 @@
               <a:rPr lang="en-GB" dirty="0"/>
               <a:t>29 Network Scripts</a:t>
             </a:r>
+          </a:p>
+          <a:p>
+            <a:pPr marL="342900" indent="-342900" algn="l">
+              <a:buFont typeface="Arial" panose="020B0604020202020204" pitchFamily="34" charset="0"/>
+              <a:buChar char="•"/>
+            </a:pPr>
+            <a:r>
+              <a:rPr lang="en-GB" dirty="0" err="1"/>
+              <a:t>OpenVPN</a:t>
+            </a:r>
+            <a:endParaRPr lang="en-GB" dirty="0"/>
           </a:p>
           <a:p>
             <a:pPr marL="342900" indent="-342900" algn="l">
@@ -3419,6 +3433,34 @@
               </a:spcBef>
             </a:pPr>
             <a:r>
+              <a:rPr lang="en-GB" sz="1400" dirty="0">
+                <a:hlinkClick r:id="rId3"/>
+              </a:rPr>
+              <a:t>https://access.redhat.com/documentation/en-US/Red_Hat_Enterprise_Linux/6/html/Deployment_Guide/s1-networkscripts-interfaces.html</a:t>
+            </a:r>
+            <a:endParaRPr lang="en-GB" sz="1400" dirty="0"/>
+          </a:p>
+          <a:p>
+            <a:pPr algn="l">
+              <a:lnSpc>
+                <a:spcPct val="100000"/>
+              </a:lnSpc>
+              <a:spcBef>
+                <a:spcPts val="0"/>
+              </a:spcBef>
+            </a:pPr>
+            <a:endParaRPr lang="en-GB" sz="1400" dirty="0"/>
+          </a:p>
+          <a:p>
+            <a:pPr algn="l">
+              <a:lnSpc>
+                <a:spcPct val="100000"/>
+              </a:lnSpc>
+              <a:spcBef>
+                <a:spcPts val="0"/>
+              </a:spcBef>
+            </a:pPr>
+            <a:r>
               <a:rPr lang="en-GB" sz="1400" dirty="0" err="1">
                 <a:latin typeface="Consolas" panose="020B0609020204030204" pitchFamily="49" charset="0"/>
               </a:rPr>
@@ -3522,38 +3564,44 @@
               </a:spcBef>
             </a:pPr>
             <a:r>
+              <a:rPr lang="en-GB" sz="1400" dirty="0" err="1">
+                <a:latin typeface="Consolas" panose="020B0609020204030204" pitchFamily="49" charset="0"/>
+              </a:rPr>
+              <a:t>NetworkManager</a:t>
+            </a:r>
+            <a:r>
               <a:rPr lang="en-GB" sz="1400" dirty="0">
                 <a:latin typeface="Consolas" panose="020B0609020204030204" pitchFamily="49" charset="0"/>
               </a:rPr>
-              <a:t>/</a:t>
-            </a:r>
+              <a:t> GUI</a:t>
+            </a:r>
+          </a:p>
+          <a:p>
+            <a:pPr algn="l">
+              <a:lnSpc>
+                <a:spcPct val="100000"/>
+              </a:lnSpc>
+              <a:spcBef>
+                <a:spcPts val="0"/>
+              </a:spcBef>
+            </a:pPr>
             <a:r>
               <a:rPr lang="en-GB" sz="1400" dirty="0" err="1">
                 <a:latin typeface="Consolas" panose="020B0609020204030204" pitchFamily="49" charset="0"/>
               </a:rPr>
-              <a:t>etc</a:t>
+              <a:t>nmcli</a:t>
             </a:r>
             <a:r>
               <a:rPr lang="en-GB" sz="1400" dirty="0">
                 <a:latin typeface="Consolas" panose="020B0609020204030204" pitchFamily="49" charset="0"/>
               </a:rPr>
-              <a:t>/hostname</a:t>
-            </a:r>
-          </a:p>
-          <a:p>
-            <a:pPr algn="l">
-              <a:lnSpc>
-                <a:spcPct val="100000"/>
-              </a:lnSpc>
-              <a:spcBef>
-                <a:spcPts val="0"/>
-              </a:spcBef>
-            </a:pPr>
+              <a:t>, </a:t>
+            </a:r>
             <a:r>
               <a:rPr lang="en-GB" sz="1400" dirty="0" err="1">
                 <a:latin typeface="Consolas" panose="020B0609020204030204" pitchFamily="49" charset="0"/>
               </a:rPr>
-              <a:t>hostnamectl</a:t>
+              <a:t>nmgui</a:t>
             </a:r>
             <a:endParaRPr lang="en-GB" sz="1400" dirty="0">
               <a:latin typeface="Consolas" panose="020B0609020204030204" pitchFamily="49" charset="0"/>
@@ -3582,16 +3630,22 @@
               </a:spcBef>
             </a:pPr>
             <a:r>
+              <a:rPr lang="en-GB" sz="1400" dirty="0">
+                <a:latin typeface="Consolas" panose="020B0609020204030204" pitchFamily="49" charset="0"/>
+              </a:rPr>
+              <a:t>/</a:t>
+            </a:r>
+            <a:r>
               <a:rPr lang="en-GB" sz="1400" dirty="0" err="1">
                 <a:latin typeface="Consolas" panose="020B0609020204030204" pitchFamily="49" charset="0"/>
               </a:rPr>
-              <a:t>NetworkManager</a:t>
+              <a:t>etc</a:t>
             </a:r>
             <a:r>
               <a:rPr lang="en-GB" sz="1400" dirty="0">
                 <a:latin typeface="Consolas" panose="020B0609020204030204" pitchFamily="49" charset="0"/>
               </a:rPr>
-              <a:t> GUI</a:t>
+              <a:t>/hostname</a:t>
             </a:r>
           </a:p>
           <a:p>
@@ -3607,20 +3661,21 @@
               <a:rPr lang="en-GB" sz="1400" dirty="0" err="1">
                 <a:latin typeface="Consolas" panose="020B0609020204030204" pitchFamily="49" charset="0"/>
               </a:rPr>
-              <a:t>nmcli</a:t>
-            </a:r>
-            <a:r>
-              <a:rPr lang="en-GB" sz="1400" dirty="0">
-                <a:latin typeface="Consolas" panose="020B0609020204030204" pitchFamily="49" charset="0"/>
-              </a:rPr>
-              <a:t>, </a:t>
-            </a:r>
-            <a:r>
-              <a:rPr lang="en-GB" sz="1400" dirty="0" err="1">
-                <a:latin typeface="Consolas" panose="020B0609020204030204" pitchFamily="49" charset="0"/>
-              </a:rPr>
-              <a:t>nmgui</a:t>
-            </a:r>
+              <a:t>hostnamectl</a:t>
+            </a:r>
+            <a:endParaRPr lang="en-GB" sz="1400" dirty="0">
+              <a:latin typeface="Consolas" panose="020B0609020204030204" pitchFamily="49" charset="0"/>
+            </a:endParaRPr>
+          </a:p>
+          <a:p>
+            <a:pPr algn="l">
+              <a:lnSpc>
+                <a:spcPct val="100000"/>
+              </a:lnSpc>
+              <a:spcBef>
+                <a:spcPts val="0"/>
+              </a:spcBef>
+            </a:pPr>
             <a:endParaRPr lang="en-GB" sz="1400" dirty="0">
               <a:latin typeface="Consolas" panose="020B0609020204030204" pitchFamily="49" charset="0"/>
             </a:endParaRPr>
@@ -3824,9 +3879,88 @@
         </p:spPr>
         <p:txBody>
           <a:bodyPr>
-            <a:normAutofit/>
+            <a:normAutofit fontScale="92500" lnSpcReduction="10000"/>
           </a:bodyPr>
           <a:lstStyle/>
+          <a:p>
+            <a:pPr algn="l">
+              <a:lnSpc>
+                <a:spcPct val="100000"/>
+              </a:lnSpc>
+              <a:spcBef>
+                <a:spcPts val="0"/>
+              </a:spcBef>
+            </a:pPr>
+            <a:r>
+              <a:rPr lang="en-GB" sz="1800" dirty="0">
+                <a:hlinkClick r:id="rId2"/>
+              </a:rPr>
+              <a:t>https://gist.github.com/DRN88</a:t>
+            </a:r>
+            <a:endParaRPr lang="en-GB" sz="1800" dirty="0"/>
+          </a:p>
+          <a:p>
+            <a:pPr algn="l">
+              <a:lnSpc>
+                <a:spcPct val="100000"/>
+              </a:lnSpc>
+              <a:spcBef>
+                <a:spcPts val="0"/>
+              </a:spcBef>
+            </a:pPr>
+            <a:r>
+              <a:rPr lang="en-GB" sz="1800" dirty="0">
+                <a:hlinkClick r:id="rId3"/>
+              </a:rPr>
+              <a:t>https://github.com/OpenVPN/easy-rsa/archive/release/2.x.zip</a:t>
+            </a:r>
+            <a:endParaRPr lang="en-GB" sz="1800" dirty="0"/>
+          </a:p>
+          <a:p>
+            <a:pPr algn="l">
+              <a:lnSpc>
+                <a:spcPct val="100000"/>
+              </a:lnSpc>
+              <a:spcBef>
+                <a:spcPts val="0"/>
+              </a:spcBef>
+            </a:pPr>
+            <a:r>
+              <a:rPr lang="en-GB" sz="1800" dirty="0">
+                <a:hlinkClick r:id="rId4"/>
+              </a:rPr>
+              <a:t>https://community.openvpn.net/openvpn/wiki/Hardening</a:t>
+            </a:r>
+            <a:endParaRPr lang="en-GB" sz="1800" dirty="0"/>
+          </a:p>
+          <a:p>
+            <a:pPr algn="l">
+              <a:lnSpc>
+                <a:spcPct val="100000"/>
+              </a:lnSpc>
+              <a:spcBef>
+                <a:spcPts val="0"/>
+              </a:spcBef>
+            </a:pPr>
+            <a:r>
+              <a:rPr lang="en-GB" sz="1800" dirty="0">
+                <a:hlinkClick r:id="rId5"/>
+              </a:rPr>
+              <a:t>https://community.openvpn.net/openvpn/wiki/IOSinline</a:t>
+            </a:r>
+            <a:endParaRPr lang="en-GB" sz="1800" dirty="0"/>
+          </a:p>
+          <a:p>
+            <a:pPr algn="l">
+              <a:lnSpc>
+                <a:spcPct val="100000"/>
+              </a:lnSpc>
+              <a:spcBef>
+                <a:spcPts val="0"/>
+              </a:spcBef>
+            </a:pPr>
+            <a:endParaRPr lang="en-GB" sz="1800" dirty="0"/>
+          </a:p>
           <a:p>
             <a:pPr algn="l">
               <a:lnSpc>
@@ -3843,6 +3977,14 @@
             <a:r>
               <a:rPr lang="en-GB" sz="1800" dirty="0" err="1"/>
               <a:t>openvpn</a:t>
+            </a:r>
+            <a:r>
+              <a:rPr lang="en-GB" sz="1800" dirty="0"/>
+              <a:t> easy-</a:t>
+            </a:r>
+            <a:r>
+              <a:rPr lang="en-GB" sz="1800" dirty="0" err="1"/>
+              <a:t>rsa</a:t>
             </a:r>
             <a:endParaRPr lang="en-GB" sz="1800" dirty="0"/>
           </a:p>
@@ -3940,7 +4082,7 @@
             <a:r>
               <a:rPr lang="en-GB" sz="1800" dirty="0">
                 <a:latin typeface="Consolas" panose="020B0609020204030204" pitchFamily="49" charset="0"/>
-                <a:hlinkClick r:id="rId2"/>
+                <a:hlinkClick r:id="rId6"/>
               </a:rPr>
               <a:t>https://github.com/OpenVPN/easy-rsa</a:t>
             </a:r>
@@ -4274,19 +4416,6 @@
                 <a:spcPts val="0"/>
               </a:spcBef>
             </a:pPr>
-            <a:endParaRPr lang="en-GB" sz="1800">
-              <a:latin typeface="Consolas" panose="020B0609020204030204" pitchFamily="49" charset="0"/>
-            </a:endParaRPr>
-          </a:p>
-          <a:p>
-            <a:pPr algn="l">
-              <a:lnSpc>
-                <a:spcPct val="100000"/>
-              </a:lnSpc>
-              <a:spcBef>
-                <a:spcPts val="0"/>
-              </a:spcBef>
-            </a:pPr>
             <a:endParaRPr lang="en-GB" sz="1800" dirty="0">
               <a:latin typeface="Consolas" panose="020B0609020204030204" pitchFamily="49" charset="0"/>
             </a:endParaRPr>
@@ -4300,6 +4429,19 @@
                 <a:spcPts val="0"/>
               </a:spcBef>
             </a:pPr>
+            <a:endParaRPr lang="en-GB" sz="1800" dirty="0">
+              <a:latin typeface="Consolas" panose="020B0609020204030204" pitchFamily="49" charset="0"/>
+            </a:endParaRPr>
+          </a:p>
+          <a:p>
+            <a:pPr algn="l">
+              <a:lnSpc>
+                <a:spcPct val="100000"/>
+              </a:lnSpc>
+              <a:spcBef>
+                <a:spcPts val="0"/>
+              </a:spcBef>
+            </a:pPr>
             <a:r>
               <a:rPr lang="en-GB" sz="1800" b="1" dirty="0">
                 <a:latin typeface="Consolas" panose="020B0609020204030204" pitchFamily="49" charset="0"/>
@@ -4421,7 +4563,7 @@
               <a:rPr lang="en-GB" sz="1800" dirty="0">
                 <a:latin typeface="Consolas" panose="020B0609020204030204" pitchFamily="49" charset="0"/>
               </a:rPr>
-              <a:t> 169.254.0.2 169.254.0.2 --remote &lt;server-</a:t>
+              <a:t> 169.254.0.2 169.254.0.1 --remote &lt;server-</a:t>
             </a:r>
             <a:r>
               <a:rPr lang="en-GB" sz="1800" dirty="0" err="1">

--- a/w46/w46.pptx
+++ b/w46/w46.pptx
@@ -11,9 +11,13 @@
     <p:sldId id="261" r:id="rId5"/>
     <p:sldId id="262" r:id="rId6"/>
     <p:sldId id="263" r:id="rId7"/>
-    <p:sldId id="264" r:id="rId8"/>
-    <p:sldId id="265" r:id="rId9"/>
-    <p:sldId id="266" r:id="rId10"/>
+    <p:sldId id="267" r:id="rId8"/>
+    <p:sldId id="268" r:id="rId9"/>
+    <p:sldId id="269" r:id="rId10"/>
+    <p:sldId id="270" r:id="rId11"/>
+    <p:sldId id="264" r:id="rId12"/>
+    <p:sldId id="265" r:id="rId13"/>
+    <p:sldId id="266" r:id="rId14"/>
   </p:sldIdLst>
   <p:sldSz cx="12192000" cy="6858000"/>
   <p:notesSz cx="6858000" cy="9144000"/>
@@ -3042,6 +3046,1603 @@
 </p:sld>
 </file>
 
+<file path=ppt/slides/slide10.xml><?xml version="1.0" encoding="utf-8"?>
+<p:sld xmlns:a="http://schemas.openxmlformats.org/drawingml/2006/main" xmlns:r="http://schemas.openxmlformats.org/officeDocument/2006/relationships" xmlns:p="http://schemas.openxmlformats.org/presentationml/2006/main">
+  <p:cSld>
+    <p:spTree>
+      <p:nvGrpSpPr>
+        <p:cNvPr id="1" name=""/>
+        <p:cNvGrpSpPr/>
+        <p:nvPr/>
+      </p:nvGrpSpPr>
+      <p:grpSpPr>
+        <a:xfrm>
+          <a:off x="0" y="0"/>
+          <a:ext cx="0" cy="0"/>
+          <a:chOff x="0" y="0"/>
+          <a:chExt cx="0" cy="0"/>
+        </a:xfrm>
+      </p:grpSpPr>
+      <p:sp>
+        <p:nvSpPr>
+          <p:cNvPr id="2" name="Title 1"/>
+          <p:cNvSpPr>
+            <a:spLocks noGrp="1"/>
+          </p:cNvSpPr>
+          <p:nvPr>
+            <p:ph type="ctrTitle"/>
+          </p:nvPr>
+        </p:nvSpPr>
+        <p:spPr>
+          <a:xfrm>
+            <a:off x="1449859" y="296561"/>
+            <a:ext cx="9144000" cy="882093"/>
+          </a:xfrm>
+        </p:spPr>
+        <p:txBody>
+          <a:bodyPr>
+            <a:normAutofit fontScale="90000"/>
+          </a:bodyPr>
+          <a:lstStyle/>
+          <a:p>
+            <a:r>
+              <a:rPr lang="en-GB" dirty="0"/>
+              <a:t>Start </a:t>
+            </a:r>
+            <a:r>
+              <a:rPr lang="en-GB" dirty="0" err="1"/>
+              <a:t>openvpn</a:t>
+            </a:r>
+            <a:r>
+              <a:rPr lang="en-GB" dirty="0"/>
+              <a:t> with </a:t>
+            </a:r>
+            <a:r>
+              <a:rPr lang="en-GB" dirty="0" err="1"/>
+              <a:t>systemd</a:t>
+            </a:r>
+            <a:endParaRPr lang="en-GB" dirty="0"/>
+          </a:p>
+        </p:txBody>
+      </p:sp>
+      <p:sp>
+        <p:nvSpPr>
+          <p:cNvPr id="3" name="Subtitle 2"/>
+          <p:cNvSpPr>
+            <a:spLocks noGrp="1"/>
+          </p:cNvSpPr>
+          <p:nvPr>
+            <p:ph type="subTitle" idx="1"/>
+          </p:nvPr>
+        </p:nvSpPr>
+        <p:spPr>
+          <a:xfrm>
+            <a:off x="486033" y="1303680"/>
+            <a:ext cx="11170508" cy="5014741"/>
+          </a:xfrm>
+        </p:spPr>
+        <p:txBody>
+          <a:bodyPr>
+            <a:normAutofit/>
+          </a:bodyPr>
+          <a:lstStyle/>
+          <a:p>
+            <a:pPr algn="l">
+              <a:lnSpc>
+                <a:spcPct val="100000"/>
+              </a:lnSpc>
+              <a:spcBef>
+                <a:spcPts val="0"/>
+              </a:spcBef>
+            </a:pPr>
+            <a:r>
+              <a:rPr lang="en-GB" sz="1800" dirty="0" err="1">
+                <a:latin typeface="Consolas" panose="020B0609020204030204" pitchFamily="49" charset="0"/>
+              </a:rPr>
+              <a:t>Config</a:t>
+            </a:r>
+            <a:r>
+              <a:rPr lang="en-GB" sz="1800" dirty="0">
+                <a:latin typeface="Consolas" panose="020B0609020204030204" pitchFamily="49" charset="0"/>
+              </a:rPr>
+              <a:t> should end with ".</a:t>
+            </a:r>
+            <a:r>
+              <a:rPr lang="en-GB" sz="1800" dirty="0" err="1">
+                <a:latin typeface="Consolas" panose="020B0609020204030204" pitchFamily="49" charset="0"/>
+              </a:rPr>
+              <a:t>conf</a:t>
+            </a:r>
+            <a:r>
+              <a:rPr lang="en-GB" sz="1800" dirty="0">
+                <a:latin typeface="Consolas" panose="020B0609020204030204" pitchFamily="49" charset="0"/>
+              </a:rPr>
+              <a:t>"</a:t>
+            </a:r>
+          </a:p>
+          <a:p>
+            <a:pPr algn="l">
+              <a:lnSpc>
+                <a:spcPct val="100000"/>
+              </a:lnSpc>
+              <a:spcBef>
+                <a:spcPts val="0"/>
+              </a:spcBef>
+            </a:pPr>
+            <a:r>
+              <a:rPr lang="en-GB" sz="1800" dirty="0" err="1">
+                <a:latin typeface="Consolas" panose="020B0609020204030204" pitchFamily="49" charset="0"/>
+              </a:rPr>
+              <a:t>Config</a:t>
+            </a:r>
+            <a:r>
+              <a:rPr lang="en-GB" sz="1800" dirty="0">
+                <a:latin typeface="Consolas" panose="020B0609020204030204" pitchFamily="49" charset="0"/>
+              </a:rPr>
+              <a:t> should be in /</a:t>
+            </a:r>
+            <a:r>
+              <a:rPr lang="en-GB" sz="1800" dirty="0" err="1">
+                <a:latin typeface="Consolas" panose="020B0609020204030204" pitchFamily="49" charset="0"/>
+              </a:rPr>
+              <a:t>etc</a:t>
+            </a:r>
+            <a:r>
+              <a:rPr lang="en-GB" sz="1800" dirty="0">
+                <a:latin typeface="Consolas" panose="020B0609020204030204" pitchFamily="49" charset="0"/>
+              </a:rPr>
+              <a:t>/</a:t>
+            </a:r>
+            <a:r>
+              <a:rPr lang="en-GB" sz="1800" dirty="0" err="1">
+                <a:latin typeface="Consolas" panose="020B0609020204030204" pitchFamily="49" charset="0"/>
+              </a:rPr>
+              <a:t>openvpn</a:t>
+            </a:r>
+            <a:r>
+              <a:rPr lang="en-GB" sz="1800" dirty="0">
+                <a:latin typeface="Consolas" panose="020B0609020204030204" pitchFamily="49" charset="0"/>
+              </a:rPr>
+              <a:t>/</a:t>
+            </a:r>
+          </a:p>
+          <a:p>
+            <a:pPr algn="l">
+              <a:lnSpc>
+                <a:spcPct val="100000"/>
+              </a:lnSpc>
+              <a:spcBef>
+                <a:spcPts val="0"/>
+              </a:spcBef>
+            </a:pPr>
+            <a:endParaRPr lang="en-GB" sz="1800" dirty="0">
+              <a:latin typeface="Consolas" panose="020B0609020204030204" pitchFamily="49" charset="0"/>
+            </a:endParaRPr>
+          </a:p>
+          <a:p>
+            <a:pPr algn="l">
+              <a:lnSpc>
+                <a:spcPct val="100000"/>
+              </a:lnSpc>
+              <a:spcBef>
+                <a:spcPts val="0"/>
+              </a:spcBef>
+            </a:pPr>
+            <a:r>
+              <a:rPr lang="en-GB" sz="1800" dirty="0">
+                <a:latin typeface="Consolas" panose="020B0609020204030204" pitchFamily="49" charset="0"/>
+              </a:rPr>
+              <a:t>Example:</a:t>
+            </a:r>
+          </a:p>
+          <a:p>
+            <a:pPr algn="l">
+              <a:lnSpc>
+                <a:spcPct val="100000"/>
+              </a:lnSpc>
+              <a:spcBef>
+                <a:spcPts val="0"/>
+              </a:spcBef>
+            </a:pPr>
+            <a:endParaRPr lang="en-GB" sz="1800" dirty="0">
+              <a:latin typeface="Consolas" panose="020B0609020204030204" pitchFamily="49" charset="0"/>
+            </a:endParaRPr>
+          </a:p>
+          <a:p>
+            <a:pPr algn="l">
+              <a:lnSpc>
+                <a:spcPct val="100000"/>
+              </a:lnSpc>
+              <a:spcBef>
+                <a:spcPts val="0"/>
+              </a:spcBef>
+            </a:pPr>
+            <a:r>
+              <a:rPr lang="en-GB" sz="1800" b="1" dirty="0">
+                <a:latin typeface="Consolas" panose="020B0609020204030204" pitchFamily="49" charset="0"/>
+              </a:rPr>
+              <a:t>/</a:t>
+            </a:r>
+            <a:r>
+              <a:rPr lang="en-GB" sz="1800" b="1" dirty="0" err="1">
+                <a:latin typeface="Consolas" panose="020B0609020204030204" pitchFamily="49" charset="0"/>
+              </a:rPr>
+              <a:t>etc</a:t>
+            </a:r>
+            <a:r>
+              <a:rPr lang="en-GB" sz="1800" b="1" dirty="0">
+                <a:latin typeface="Consolas" panose="020B0609020204030204" pitchFamily="49" charset="0"/>
+              </a:rPr>
+              <a:t>/</a:t>
+            </a:r>
+            <a:r>
+              <a:rPr lang="en-GB" sz="1800" b="1" dirty="0" err="1">
+                <a:latin typeface="Consolas" panose="020B0609020204030204" pitchFamily="49" charset="0"/>
+              </a:rPr>
+              <a:t>openvpn</a:t>
+            </a:r>
+            <a:r>
+              <a:rPr lang="en-GB" sz="1800" b="1" dirty="0">
+                <a:latin typeface="Consolas" panose="020B0609020204030204" pitchFamily="49" charset="0"/>
+              </a:rPr>
+              <a:t>/client-</a:t>
+            </a:r>
+            <a:r>
+              <a:rPr lang="en-GB" sz="1800" b="1" dirty="0" err="1">
+                <a:latin typeface="Consolas" panose="020B0609020204030204" pitchFamily="49" charset="0"/>
+              </a:rPr>
+              <a:t>superman.conf</a:t>
+            </a:r>
+            <a:endParaRPr lang="en-GB" sz="1800" b="1" dirty="0">
+              <a:latin typeface="Consolas" panose="020B0609020204030204" pitchFamily="49" charset="0"/>
+            </a:endParaRPr>
+          </a:p>
+          <a:p>
+            <a:pPr algn="l">
+              <a:lnSpc>
+                <a:spcPct val="100000"/>
+              </a:lnSpc>
+              <a:spcBef>
+                <a:spcPts val="0"/>
+              </a:spcBef>
+            </a:pPr>
+            <a:r>
+              <a:rPr lang="en-GB" sz="1800" b="1" dirty="0">
+                <a:latin typeface="Consolas" panose="020B0609020204030204" pitchFamily="49" charset="0"/>
+              </a:rPr>
+              <a:t>/</a:t>
+            </a:r>
+            <a:r>
+              <a:rPr lang="en-GB" sz="1800" b="1" dirty="0" err="1">
+                <a:latin typeface="Consolas" panose="020B0609020204030204" pitchFamily="49" charset="0"/>
+              </a:rPr>
+              <a:t>etc</a:t>
+            </a:r>
+            <a:r>
+              <a:rPr lang="en-GB" sz="1800" b="1" dirty="0">
+                <a:latin typeface="Consolas" panose="020B0609020204030204" pitchFamily="49" charset="0"/>
+              </a:rPr>
+              <a:t>/</a:t>
+            </a:r>
+            <a:r>
+              <a:rPr lang="en-GB" sz="1800" b="1" dirty="0" err="1">
+                <a:latin typeface="Consolas" panose="020B0609020204030204" pitchFamily="49" charset="0"/>
+              </a:rPr>
+              <a:t>openvpn</a:t>
+            </a:r>
+            <a:r>
+              <a:rPr lang="en-GB" sz="1800" b="1" dirty="0">
+                <a:latin typeface="Consolas" panose="020B0609020204030204" pitchFamily="49" charset="0"/>
+              </a:rPr>
+              <a:t>/client-</a:t>
+            </a:r>
+            <a:r>
+              <a:rPr lang="en-GB" sz="1800" b="1" dirty="0" err="1">
+                <a:latin typeface="Consolas" panose="020B0609020204030204" pitchFamily="49" charset="0"/>
+              </a:rPr>
+              <a:t>batman.conf</a:t>
+            </a:r>
+            <a:endParaRPr lang="en-GB" sz="1800" b="1" dirty="0">
+              <a:latin typeface="Consolas" panose="020B0609020204030204" pitchFamily="49" charset="0"/>
+            </a:endParaRPr>
+          </a:p>
+          <a:p>
+            <a:pPr algn="l">
+              <a:lnSpc>
+                <a:spcPct val="100000"/>
+              </a:lnSpc>
+              <a:spcBef>
+                <a:spcPts val="0"/>
+              </a:spcBef>
+            </a:pPr>
+            <a:endParaRPr lang="en-GB" sz="1800" dirty="0">
+              <a:latin typeface="Consolas" panose="020B0609020204030204" pitchFamily="49" charset="0"/>
+            </a:endParaRPr>
+          </a:p>
+          <a:p>
+            <a:pPr algn="l">
+              <a:lnSpc>
+                <a:spcPct val="100000"/>
+              </a:lnSpc>
+              <a:spcBef>
+                <a:spcPts val="0"/>
+              </a:spcBef>
+            </a:pPr>
+            <a:r>
+              <a:rPr lang="en-GB" sz="1800" dirty="0">
+                <a:latin typeface="Consolas" panose="020B0609020204030204" pitchFamily="49" charset="0"/>
+              </a:rPr>
+              <a:t>You can start multiple </a:t>
+            </a:r>
+            <a:r>
+              <a:rPr lang="en-GB" sz="1800" dirty="0" err="1">
+                <a:latin typeface="Consolas" panose="020B0609020204030204" pitchFamily="49" charset="0"/>
+              </a:rPr>
+              <a:t>openvpn</a:t>
+            </a:r>
+            <a:r>
+              <a:rPr lang="en-GB" sz="1800" dirty="0">
+                <a:latin typeface="Consolas" panose="020B0609020204030204" pitchFamily="49" charset="0"/>
+              </a:rPr>
+              <a:t> connections using system:</a:t>
+            </a:r>
+          </a:p>
+          <a:p>
+            <a:pPr algn="l">
+              <a:lnSpc>
+                <a:spcPct val="100000"/>
+              </a:lnSpc>
+              <a:spcBef>
+                <a:spcPts val="0"/>
+              </a:spcBef>
+            </a:pPr>
+            <a:endParaRPr lang="en-GB" sz="1800" dirty="0">
+              <a:latin typeface="Consolas" panose="020B0609020204030204" pitchFamily="49" charset="0"/>
+            </a:endParaRPr>
+          </a:p>
+          <a:p>
+            <a:pPr algn="l">
+              <a:lnSpc>
+                <a:spcPct val="100000"/>
+              </a:lnSpc>
+              <a:spcBef>
+                <a:spcPts val="0"/>
+              </a:spcBef>
+            </a:pPr>
+            <a:r>
+              <a:rPr lang="en-GB" sz="1800" b="1" dirty="0" err="1">
+                <a:latin typeface="Consolas" panose="020B0609020204030204" pitchFamily="49" charset="0"/>
+              </a:rPr>
+              <a:t>systemctl</a:t>
+            </a:r>
+            <a:r>
+              <a:rPr lang="en-GB" sz="1800" b="1" dirty="0">
+                <a:latin typeface="Consolas" panose="020B0609020204030204" pitchFamily="49" charset="0"/>
+              </a:rPr>
+              <a:t> start </a:t>
+            </a:r>
+            <a:r>
+              <a:rPr lang="en-GB" sz="1800" b="1" dirty="0" err="1">
+                <a:latin typeface="Consolas" panose="020B0609020204030204" pitchFamily="49" charset="0"/>
+                <a:hlinkClick r:id="rId2"/>
+              </a:rPr>
+              <a:t>openvpn@superman.service</a:t>
+            </a:r>
+            <a:endParaRPr lang="en-GB" sz="1800" b="1" dirty="0">
+              <a:latin typeface="Consolas" panose="020B0609020204030204" pitchFamily="49" charset="0"/>
+            </a:endParaRPr>
+          </a:p>
+          <a:p>
+            <a:pPr algn="l">
+              <a:lnSpc>
+                <a:spcPct val="100000"/>
+              </a:lnSpc>
+              <a:spcBef>
+                <a:spcPts val="0"/>
+              </a:spcBef>
+            </a:pPr>
+            <a:endParaRPr lang="en-GB" sz="1800" dirty="0">
+              <a:latin typeface="Consolas" panose="020B0609020204030204" pitchFamily="49" charset="0"/>
+            </a:endParaRPr>
+          </a:p>
+          <a:p>
+            <a:pPr algn="l">
+              <a:lnSpc>
+                <a:spcPct val="100000"/>
+              </a:lnSpc>
+              <a:spcBef>
+                <a:spcPts val="0"/>
+              </a:spcBef>
+            </a:pPr>
+            <a:r>
+              <a:rPr lang="en-GB" sz="1800" dirty="0">
+                <a:latin typeface="Consolas" panose="020B0609020204030204" pitchFamily="49" charset="0"/>
+              </a:rPr>
+              <a:t>And another service</a:t>
+            </a:r>
+          </a:p>
+          <a:p>
+            <a:pPr algn="l">
+              <a:lnSpc>
+                <a:spcPct val="100000"/>
+              </a:lnSpc>
+              <a:spcBef>
+                <a:spcPts val="0"/>
+              </a:spcBef>
+            </a:pPr>
+            <a:endParaRPr lang="en-GB" sz="1800" dirty="0">
+              <a:latin typeface="Consolas" panose="020B0609020204030204" pitchFamily="49" charset="0"/>
+            </a:endParaRPr>
+          </a:p>
+          <a:p>
+            <a:pPr algn="l">
+              <a:lnSpc>
+                <a:spcPct val="100000"/>
+              </a:lnSpc>
+              <a:spcBef>
+                <a:spcPts val="0"/>
+              </a:spcBef>
+            </a:pPr>
+            <a:r>
+              <a:rPr lang="en-GB" sz="1800" b="1" dirty="0" err="1">
+                <a:latin typeface="Consolas" panose="020B0609020204030204" pitchFamily="49" charset="0"/>
+              </a:rPr>
+              <a:t>systemctl</a:t>
+            </a:r>
+            <a:r>
+              <a:rPr lang="en-GB" sz="1800" b="1" dirty="0">
+                <a:latin typeface="Consolas" panose="020B0609020204030204" pitchFamily="49" charset="0"/>
+              </a:rPr>
+              <a:t> start </a:t>
+            </a:r>
+            <a:r>
+              <a:rPr lang="en-GB" sz="1800" b="1" dirty="0" err="1">
+                <a:latin typeface="Consolas" panose="020B0609020204030204" pitchFamily="49" charset="0"/>
+              </a:rPr>
+              <a:t>openvpn@batman.service</a:t>
+            </a:r>
+            <a:endParaRPr lang="en-GB" sz="1800" b="1" dirty="0">
+              <a:latin typeface="Consolas" panose="020B0609020204030204" pitchFamily="49" charset="0"/>
+            </a:endParaRPr>
+          </a:p>
+        </p:txBody>
+      </p:sp>
+    </p:spTree>
+    <p:extLst>
+      <p:ext uri="{BB962C8B-B14F-4D97-AF65-F5344CB8AC3E}">
+        <p14:creationId xmlns:p14="http://schemas.microsoft.com/office/powerpoint/2010/main" val="3942383796"/>
+      </p:ext>
+    </p:extLst>
+  </p:cSld>
+  <p:clrMapOvr>
+    <a:masterClrMapping/>
+  </p:clrMapOvr>
+</p:sld>
+</file>
+
+<file path=ppt/slides/slide11.xml><?xml version="1.0" encoding="utf-8"?>
+<p:sld xmlns:a="http://schemas.openxmlformats.org/drawingml/2006/main" xmlns:r="http://schemas.openxmlformats.org/officeDocument/2006/relationships" xmlns:p="http://schemas.openxmlformats.org/presentationml/2006/main">
+  <p:cSld>
+    <p:spTree>
+      <p:nvGrpSpPr>
+        <p:cNvPr id="1" name=""/>
+        <p:cNvGrpSpPr/>
+        <p:nvPr/>
+      </p:nvGrpSpPr>
+      <p:grpSpPr>
+        <a:xfrm>
+          <a:off x="0" y="0"/>
+          <a:ext cx="0" cy="0"/>
+          <a:chOff x="0" y="0"/>
+          <a:chExt cx="0" cy="0"/>
+        </a:xfrm>
+      </p:grpSpPr>
+      <p:sp>
+        <p:nvSpPr>
+          <p:cNvPr id="2" name="Title 1"/>
+          <p:cNvSpPr>
+            <a:spLocks noGrp="1"/>
+          </p:cNvSpPr>
+          <p:nvPr>
+            <p:ph type="ctrTitle"/>
+          </p:nvPr>
+        </p:nvSpPr>
+        <p:spPr>
+          <a:xfrm>
+            <a:off x="1449859" y="296561"/>
+            <a:ext cx="9144000" cy="882093"/>
+          </a:xfrm>
+        </p:spPr>
+        <p:txBody>
+          <a:bodyPr>
+            <a:normAutofit fontScale="90000"/>
+          </a:bodyPr>
+          <a:lstStyle/>
+          <a:p>
+            <a:r>
+              <a:rPr lang="en-GB" dirty="0"/>
+              <a:t>IPTABLES</a:t>
+            </a:r>
+          </a:p>
+        </p:txBody>
+      </p:sp>
+      <p:sp>
+        <p:nvSpPr>
+          <p:cNvPr id="3" name="Subtitle 2"/>
+          <p:cNvSpPr>
+            <a:spLocks noGrp="1"/>
+          </p:cNvSpPr>
+          <p:nvPr>
+            <p:ph type="subTitle" idx="1"/>
+          </p:nvPr>
+        </p:nvSpPr>
+        <p:spPr>
+          <a:xfrm>
+            <a:off x="486033" y="1303680"/>
+            <a:ext cx="11170508" cy="5014741"/>
+          </a:xfrm>
+        </p:spPr>
+        <p:txBody>
+          <a:bodyPr>
+            <a:normAutofit/>
+          </a:bodyPr>
+          <a:lstStyle/>
+          <a:p>
+            <a:pPr algn="l">
+              <a:lnSpc>
+                <a:spcPct val="100000"/>
+              </a:lnSpc>
+              <a:spcBef>
+                <a:spcPts val="0"/>
+              </a:spcBef>
+            </a:pPr>
+            <a:r>
+              <a:rPr lang="en-GB" sz="1800" dirty="0" err="1">
+                <a:latin typeface="Consolas" panose="020B0609020204030204" pitchFamily="49" charset="0"/>
+              </a:rPr>
+              <a:t>Firewalld</a:t>
+            </a:r>
+            <a:r>
+              <a:rPr lang="en-GB" sz="1800" dirty="0">
+                <a:latin typeface="Consolas" panose="020B0609020204030204" pitchFamily="49" charset="0"/>
+              </a:rPr>
+              <a:t> vs </a:t>
+            </a:r>
+            <a:r>
+              <a:rPr lang="en-GB" sz="1800" dirty="0" err="1">
+                <a:latin typeface="Consolas" panose="020B0609020204030204" pitchFamily="49" charset="0"/>
+              </a:rPr>
+              <a:t>iptables</a:t>
+            </a:r>
+            <a:endParaRPr lang="en-GB" sz="1800" dirty="0">
+              <a:latin typeface="Consolas" panose="020B0609020204030204" pitchFamily="49" charset="0"/>
+            </a:endParaRPr>
+          </a:p>
+          <a:p>
+            <a:pPr algn="l">
+              <a:lnSpc>
+                <a:spcPct val="100000"/>
+              </a:lnSpc>
+              <a:spcBef>
+                <a:spcPts val="0"/>
+              </a:spcBef>
+            </a:pPr>
+            <a:endParaRPr lang="en-GB" sz="1800" dirty="0">
+              <a:latin typeface="Consolas" panose="020B0609020204030204" pitchFamily="49" charset="0"/>
+            </a:endParaRPr>
+          </a:p>
+          <a:p>
+            <a:pPr algn="l">
+              <a:lnSpc>
+                <a:spcPct val="100000"/>
+              </a:lnSpc>
+              <a:spcBef>
+                <a:spcPts val="0"/>
+              </a:spcBef>
+            </a:pPr>
+            <a:r>
+              <a:rPr lang="en-GB" sz="1800" dirty="0" err="1">
+                <a:latin typeface="Consolas" panose="020B0609020204030204" pitchFamily="49" charset="0"/>
+              </a:rPr>
+              <a:t>Firewalld</a:t>
+            </a:r>
+            <a:r>
+              <a:rPr lang="en-GB" sz="1800" dirty="0">
+                <a:latin typeface="Consolas" panose="020B0609020204030204" pitchFamily="49" charset="0"/>
+              </a:rPr>
+              <a:t> documentation: </a:t>
+            </a:r>
+            <a:r>
+              <a:rPr lang="en-GB" sz="1800" dirty="0">
+                <a:latin typeface="Consolas" panose="020B0609020204030204" pitchFamily="49" charset="0"/>
+                <a:hlinkClick r:id="rId2"/>
+              </a:rPr>
+              <a:t>http://www.firewalld.org/documentation/</a:t>
+            </a:r>
+            <a:endParaRPr lang="en-GB" sz="1800" b="1" dirty="0">
+              <a:latin typeface="Consolas" panose="020B0609020204030204" pitchFamily="49" charset="0"/>
+            </a:endParaRPr>
+          </a:p>
+          <a:p>
+            <a:pPr algn="l">
+              <a:lnSpc>
+                <a:spcPct val="100000"/>
+              </a:lnSpc>
+              <a:spcBef>
+                <a:spcPts val="0"/>
+              </a:spcBef>
+            </a:pPr>
+            <a:endParaRPr lang="en-GB" sz="1800" b="1" dirty="0">
+              <a:latin typeface="Consolas" panose="020B0609020204030204" pitchFamily="49" charset="0"/>
+            </a:endParaRPr>
+          </a:p>
+          <a:p>
+            <a:pPr algn="l">
+              <a:lnSpc>
+                <a:spcPct val="100000"/>
+              </a:lnSpc>
+              <a:spcBef>
+                <a:spcPts val="0"/>
+              </a:spcBef>
+            </a:pPr>
+            <a:r>
+              <a:rPr lang="en-GB" sz="1800" dirty="0">
+                <a:latin typeface="Consolas" panose="020B0609020204030204" pitchFamily="49" charset="0"/>
+              </a:rPr>
+              <a:t>Let's use </a:t>
+            </a:r>
+            <a:r>
+              <a:rPr lang="en-GB" sz="1800" dirty="0" err="1">
+                <a:latin typeface="Consolas" panose="020B0609020204030204" pitchFamily="49" charset="0"/>
+              </a:rPr>
+              <a:t>iptables</a:t>
+            </a:r>
+            <a:r>
+              <a:rPr lang="en-GB" sz="1800" dirty="0">
+                <a:latin typeface="Consolas" panose="020B0609020204030204" pitchFamily="49" charset="0"/>
+              </a:rPr>
+              <a:t> for now.</a:t>
+            </a:r>
+          </a:p>
+          <a:p>
+            <a:pPr algn="l">
+              <a:lnSpc>
+                <a:spcPct val="100000"/>
+              </a:lnSpc>
+              <a:spcBef>
+                <a:spcPts val="0"/>
+              </a:spcBef>
+            </a:pPr>
+            <a:endParaRPr lang="en-GB" sz="1800" dirty="0">
+              <a:latin typeface="Consolas" panose="020B0609020204030204" pitchFamily="49" charset="0"/>
+            </a:endParaRPr>
+          </a:p>
+          <a:p>
+            <a:pPr algn="l">
+              <a:lnSpc>
+                <a:spcPct val="100000"/>
+              </a:lnSpc>
+              <a:spcBef>
+                <a:spcPts val="0"/>
+              </a:spcBef>
+            </a:pPr>
+            <a:r>
+              <a:rPr lang="en-GB" sz="1800" b="1" dirty="0">
+                <a:latin typeface="Consolas" panose="020B0609020204030204" pitchFamily="49" charset="0"/>
+              </a:rPr>
+              <a:t>IPTABLES</a:t>
+            </a:r>
+          </a:p>
+          <a:p>
+            <a:pPr algn="l">
+              <a:lnSpc>
+                <a:spcPct val="100000"/>
+              </a:lnSpc>
+              <a:spcBef>
+                <a:spcPts val="0"/>
+              </a:spcBef>
+            </a:pPr>
+            <a:endParaRPr lang="en-GB" sz="1800" b="1" dirty="0">
+              <a:latin typeface="Consolas" panose="020B0609020204030204" pitchFamily="49" charset="0"/>
+            </a:endParaRPr>
+          </a:p>
+          <a:p>
+            <a:pPr marL="285750" indent="-285750" algn="l">
+              <a:lnSpc>
+                <a:spcPct val="100000"/>
+              </a:lnSpc>
+              <a:spcBef>
+                <a:spcPts val="0"/>
+              </a:spcBef>
+              <a:buFont typeface="Arial" panose="020B0604020202020204" pitchFamily="34" charset="0"/>
+              <a:buChar char="•"/>
+            </a:pPr>
+            <a:r>
+              <a:rPr lang="en-GB" sz="1800" dirty="0">
+                <a:latin typeface="Consolas" panose="020B0609020204030204" pitchFamily="49" charset="0"/>
+              </a:rPr>
+              <a:t>Chains</a:t>
+            </a:r>
+          </a:p>
+          <a:p>
+            <a:pPr marL="742950" lvl="1" indent="-285750" algn="l">
+              <a:lnSpc>
+                <a:spcPct val="100000"/>
+              </a:lnSpc>
+              <a:spcBef>
+                <a:spcPts val="0"/>
+              </a:spcBef>
+              <a:buFont typeface="Arial" panose="020B0604020202020204" pitchFamily="34" charset="0"/>
+              <a:buChar char="•"/>
+            </a:pPr>
+            <a:r>
+              <a:rPr lang="en-GB" sz="1400" dirty="0">
+                <a:latin typeface="Consolas" panose="020B0609020204030204" pitchFamily="49" charset="0"/>
+              </a:rPr>
+              <a:t>input</a:t>
+            </a:r>
+          </a:p>
+          <a:p>
+            <a:pPr marL="742950" lvl="1" indent="-285750" algn="l">
+              <a:lnSpc>
+                <a:spcPct val="100000"/>
+              </a:lnSpc>
+              <a:spcBef>
+                <a:spcPts val="0"/>
+              </a:spcBef>
+              <a:buFont typeface="Arial" panose="020B0604020202020204" pitchFamily="34" charset="0"/>
+              <a:buChar char="•"/>
+            </a:pPr>
+            <a:r>
+              <a:rPr lang="en-GB" sz="1400" dirty="0">
+                <a:latin typeface="Consolas" panose="020B0609020204030204" pitchFamily="49" charset="0"/>
+              </a:rPr>
+              <a:t>forward</a:t>
+            </a:r>
+          </a:p>
+          <a:p>
+            <a:pPr marL="742950" lvl="1" indent="-285750" algn="l">
+              <a:lnSpc>
+                <a:spcPct val="100000"/>
+              </a:lnSpc>
+              <a:spcBef>
+                <a:spcPts val="0"/>
+              </a:spcBef>
+              <a:buFont typeface="Arial" panose="020B0604020202020204" pitchFamily="34" charset="0"/>
+              <a:buChar char="•"/>
+            </a:pPr>
+            <a:r>
+              <a:rPr lang="en-GB" sz="1400" dirty="0">
+                <a:latin typeface="Consolas" panose="020B0609020204030204" pitchFamily="49" charset="0"/>
+              </a:rPr>
+              <a:t>output</a:t>
+            </a:r>
+          </a:p>
+          <a:p>
+            <a:pPr marL="285750" indent="-285750" algn="l">
+              <a:lnSpc>
+                <a:spcPct val="100000"/>
+              </a:lnSpc>
+              <a:spcBef>
+                <a:spcPts val="0"/>
+              </a:spcBef>
+              <a:buFont typeface="Arial" panose="020B0604020202020204" pitchFamily="34" charset="0"/>
+              <a:buChar char="•"/>
+            </a:pPr>
+            <a:r>
+              <a:rPr lang="en-GB" sz="1800" dirty="0">
+                <a:latin typeface="Consolas" panose="020B0609020204030204" pitchFamily="49" charset="0"/>
+              </a:rPr>
+              <a:t>Tables</a:t>
+            </a:r>
+          </a:p>
+          <a:p>
+            <a:pPr marL="742950" lvl="1" indent="-285750" algn="l">
+              <a:lnSpc>
+                <a:spcPct val="100000"/>
+              </a:lnSpc>
+              <a:spcBef>
+                <a:spcPts val="0"/>
+              </a:spcBef>
+              <a:buFont typeface="Arial" panose="020B0604020202020204" pitchFamily="34" charset="0"/>
+              <a:buChar char="•"/>
+            </a:pPr>
+            <a:r>
+              <a:rPr lang="en-GB" sz="1400" dirty="0" err="1">
+                <a:latin typeface="Consolas" panose="020B0609020204030204" pitchFamily="49" charset="0"/>
+              </a:rPr>
+              <a:t>nat</a:t>
+            </a:r>
+            <a:endParaRPr lang="en-GB" sz="1400" dirty="0">
+              <a:latin typeface="Consolas" panose="020B0609020204030204" pitchFamily="49" charset="0"/>
+            </a:endParaRPr>
+          </a:p>
+          <a:p>
+            <a:pPr marL="742950" lvl="1" indent="-285750" algn="l">
+              <a:lnSpc>
+                <a:spcPct val="100000"/>
+              </a:lnSpc>
+              <a:spcBef>
+                <a:spcPts val="0"/>
+              </a:spcBef>
+              <a:buFont typeface="Arial" panose="020B0604020202020204" pitchFamily="34" charset="0"/>
+              <a:buChar char="•"/>
+            </a:pPr>
+            <a:r>
+              <a:rPr lang="en-GB" sz="1400" dirty="0">
+                <a:latin typeface="Consolas" panose="020B0609020204030204" pitchFamily="49" charset="0"/>
+              </a:rPr>
+              <a:t>mangle</a:t>
+            </a:r>
+          </a:p>
+          <a:p>
+            <a:pPr marL="285750" indent="-285750" algn="l">
+              <a:lnSpc>
+                <a:spcPct val="100000"/>
+              </a:lnSpc>
+              <a:spcBef>
+                <a:spcPts val="0"/>
+              </a:spcBef>
+              <a:buFont typeface="Arial" panose="020B0604020202020204" pitchFamily="34" charset="0"/>
+              <a:buChar char="•"/>
+            </a:pPr>
+            <a:endParaRPr lang="en-GB" sz="1800" dirty="0">
+              <a:latin typeface="Consolas" panose="020B0609020204030204" pitchFamily="49" charset="0"/>
+            </a:endParaRPr>
+          </a:p>
+          <a:p>
+            <a:pPr algn="l">
+              <a:lnSpc>
+                <a:spcPct val="100000"/>
+              </a:lnSpc>
+              <a:spcBef>
+                <a:spcPts val="0"/>
+              </a:spcBef>
+            </a:pPr>
+            <a:r>
+              <a:rPr lang="en-GB" sz="1800" dirty="0" err="1">
+                <a:latin typeface="Consolas" panose="020B0609020204030204" pitchFamily="49" charset="0"/>
+              </a:rPr>
+              <a:t>Stateful</a:t>
+            </a:r>
+            <a:r>
+              <a:rPr lang="en-GB" sz="1800" dirty="0">
+                <a:latin typeface="Consolas" panose="020B0609020204030204" pitchFamily="49" charset="0"/>
+              </a:rPr>
+              <a:t> firewall, </a:t>
+            </a:r>
+            <a:r>
+              <a:rPr lang="en-GB" sz="1800" dirty="0" err="1">
+                <a:latin typeface="Consolas" panose="020B0609020204030204" pitchFamily="49" charset="0"/>
+              </a:rPr>
+              <a:t>conntrack</a:t>
+            </a:r>
+            <a:r>
+              <a:rPr lang="en-GB" sz="1800" dirty="0">
+                <a:latin typeface="Consolas" panose="020B0609020204030204" pitchFamily="49" charset="0"/>
+              </a:rPr>
+              <a:t>, TCP States, 3 way handshake, TCP Fast Open</a:t>
+            </a:r>
+          </a:p>
+        </p:txBody>
+      </p:sp>
+    </p:spTree>
+    <p:extLst>
+      <p:ext uri="{BB962C8B-B14F-4D97-AF65-F5344CB8AC3E}">
+        <p14:creationId xmlns:p14="http://schemas.microsoft.com/office/powerpoint/2010/main" val="3737305920"/>
+      </p:ext>
+    </p:extLst>
+  </p:cSld>
+  <p:clrMapOvr>
+    <a:masterClrMapping/>
+  </p:clrMapOvr>
+</p:sld>
+</file>
+
+<file path=ppt/slides/slide12.xml><?xml version="1.0" encoding="utf-8"?>
+<p:sld xmlns:a="http://schemas.openxmlformats.org/drawingml/2006/main" xmlns:r="http://schemas.openxmlformats.org/officeDocument/2006/relationships" xmlns:p="http://schemas.openxmlformats.org/presentationml/2006/main">
+  <p:cSld>
+    <p:spTree>
+      <p:nvGrpSpPr>
+        <p:cNvPr id="1" name=""/>
+        <p:cNvGrpSpPr/>
+        <p:nvPr/>
+      </p:nvGrpSpPr>
+      <p:grpSpPr>
+        <a:xfrm>
+          <a:off x="0" y="0"/>
+          <a:ext cx="0" cy="0"/>
+          <a:chOff x="0" y="0"/>
+          <a:chExt cx="0" cy="0"/>
+        </a:xfrm>
+      </p:grpSpPr>
+      <p:sp>
+        <p:nvSpPr>
+          <p:cNvPr id="2" name="Title 1"/>
+          <p:cNvSpPr>
+            <a:spLocks noGrp="1"/>
+          </p:cNvSpPr>
+          <p:nvPr>
+            <p:ph type="ctrTitle"/>
+          </p:nvPr>
+        </p:nvSpPr>
+        <p:spPr>
+          <a:xfrm>
+            <a:off x="1449859" y="296561"/>
+            <a:ext cx="9144000" cy="882093"/>
+          </a:xfrm>
+        </p:spPr>
+        <p:txBody>
+          <a:bodyPr>
+            <a:normAutofit fontScale="90000"/>
+          </a:bodyPr>
+          <a:lstStyle/>
+          <a:p>
+            <a:r>
+              <a:rPr lang="en-GB" dirty="0"/>
+              <a:t>IPTABLES</a:t>
+            </a:r>
+          </a:p>
+        </p:txBody>
+      </p:sp>
+      <p:sp>
+        <p:nvSpPr>
+          <p:cNvPr id="3" name="Subtitle 2"/>
+          <p:cNvSpPr>
+            <a:spLocks noGrp="1"/>
+          </p:cNvSpPr>
+          <p:nvPr>
+            <p:ph type="subTitle" idx="1"/>
+          </p:nvPr>
+        </p:nvSpPr>
+        <p:spPr>
+          <a:xfrm>
+            <a:off x="486033" y="1303680"/>
+            <a:ext cx="11170508" cy="5014741"/>
+          </a:xfrm>
+        </p:spPr>
+        <p:txBody>
+          <a:bodyPr>
+            <a:normAutofit lnSpcReduction="10000"/>
+          </a:bodyPr>
+          <a:lstStyle/>
+          <a:p>
+            <a:pPr algn="l">
+              <a:lnSpc>
+                <a:spcPct val="100000"/>
+              </a:lnSpc>
+              <a:spcBef>
+                <a:spcPts val="0"/>
+              </a:spcBef>
+            </a:pPr>
+            <a:r>
+              <a:rPr lang="en-GB" sz="1800" dirty="0">
+                <a:latin typeface="Consolas" panose="020B0609020204030204" pitchFamily="49" charset="0"/>
+              </a:rPr>
+              <a:t>/root/.</a:t>
+            </a:r>
+            <a:r>
+              <a:rPr lang="en-GB" sz="1800" dirty="0" err="1">
+                <a:latin typeface="Consolas" panose="020B0609020204030204" pitchFamily="49" charset="0"/>
+              </a:rPr>
+              <a:t>bashrc</a:t>
+            </a:r>
+            <a:endParaRPr lang="en-GB" sz="1800" dirty="0">
+              <a:latin typeface="Consolas" panose="020B0609020204030204" pitchFamily="49" charset="0"/>
+            </a:endParaRPr>
+          </a:p>
+          <a:p>
+            <a:pPr algn="l">
+              <a:lnSpc>
+                <a:spcPct val="100000"/>
+              </a:lnSpc>
+              <a:spcBef>
+                <a:spcPts val="0"/>
+              </a:spcBef>
+            </a:pPr>
+            <a:r>
+              <a:rPr lang="en-GB" sz="1800" dirty="0">
+                <a:latin typeface="Consolas" panose="020B0609020204030204" pitchFamily="49" charset="0"/>
+              </a:rPr>
+              <a:t>alias </a:t>
+            </a:r>
+            <a:r>
+              <a:rPr lang="en-GB" sz="1800" dirty="0" err="1">
+                <a:latin typeface="Consolas" panose="020B0609020204030204" pitchFamily="49" charset="0"/>
+              </a:rPr>
+              <a:t>iptablesl</a:t>
+            </a:r>
+            <a:r>
+              <a:rPr lang="en-GB" sz="1800" dirty="0">
+                <a:latin typeface="Consolas" panose="020B0609020204030204" pitchFamily="49" charset="0"/>
+              </a:rPr>
+              <a:t>="</a:t>
+            </a:r>
+            <a:r>
+              <a:rPr lang="en-GB" sz="1800" dirty="0" err="1">
+                <a:latin typeface="Consolas" panose="020B0609020204030204" pitchFamily="49" charset="0"/>
+              </a:rPr>
+              <a:t>iptables</a:t>
+            </a:r>
+            <a:r>
+              <a:rPr lang="en-GB" sz="1800" dirty="0">
+                <a:latin typeface="Consolas" panose="020B0609020204030204" pitchFamily="49" charset="0"/>
+              </a:rPr>
+              <a:t> --line-</a:t>
+            </a:r>
+            <a:r>
+              <a:rPr lang="en-GB" sz="1800" dirty="0" err="1">
+                <a:latin typeface="Consolas" panose="020B0609020204030204" pitchFamily="49" charset="0"/>
+              </a:rPr>
+              <a:t>nums</a:t>
+            </a:r>
+            <a:r>
+              <a:rPr lang="en-GB" sz="1800" dirty="0">
+                <a:latin typeface="Consolas" panose="020B0609020204030204" pitchFamily="49" charset="0"/>
+              </a:rPr>
+              <a:t>"</a:t>
+            </a:r>
+          </a:p>
+          <a:p>
+            <a:pPr algn="l">
+              <a:lnSpc>
+                <a:spcPct val="100000"/>
+              </a:lnSpc>
+              <a:spcBef>
+                <a:spcPts val="0"/>
+              </a:spcBef>
+            </a:pPr>
+            <a:r>
+              <a:rPr lang="en-GB" sz="1800" dirty="0">
+                <a:latin typeface="Consolas" panose="020B0609020204030204" pitchFamily="49" charset="0"/>
+              </a:rPr>
+              <a:t>source /root/.</a:t>
+            </a:r>
+            <a:r>
+              <a:rPr lang="en-GB" sz="1800" dirty="0" err="1">
+                <a:latin typeface="Consolas" panose="020B0609020204030204" pitchFamily="49" charset="0"/>
+              </a:rPr>
+              <a:t>bashrc</a:t>
+            </a:r>
+            <a:endParaRPr lang="en-GB" sz="1800" dirty="0">
+              <a:latin typeface="Consolas" panose="020B0609020204030204" pitchFamily="49" charset="0"/>
+            </a:endParaRPr>
+          </a:p>
+          <a:p>
+            <a:pPr algn="l">
+              <a:lnSpc>
+                <a:spcPct val="100000"/>
+              </a:lnSpc>
+              <a:spcBef>
+                <a:spcPts val="0"/>
+              </a:spcBef>
+            </a:pPr>
+            <a:endParaRPr lang="en-GB" sz="1800" dirty="0">
+              <a:latin typeface="Consolas" panose="020B0609020204030204" pitchFamily="49" charset="0"/>
+            </a:endParaRPr>
+          </a:p>
+          <a:p>
+            <a:pPr algn="l">
+              <a:lnSpc>
+                <a:spcPct val="100000"/>
+              </a:lnSpc>
+              <a:spcBef>
+                <a:spcPts val="0"/>
+              </a:spcBef>
+            </a:pPr>
+            <a:r>
+              <a:rPr lang="en-GB" sz="1800" dirty="0" err="1">
+                <a:latin typeface="Consolas" panose="020B0609020204030204" pitchFamily="49" charset="0"/>
+              </a:rPr>
+              <a:t>iptables</a:t>
+            </a:r>
+            <a:r>
+              <a:rPr lang="en-GB" sz="1800" dirty="0">
+                <a:latin typeface="Consolas" panose="020B0609020204030204" pitchFamily="49" charset="0"/>
+              </a:rPr>
+              <a:t> -</a:t>
+            </a:r>
+            <a:r>
+              <a:rPr lang="en-GB" sz="1800" dirty="0" err="1">
+                <a:latin typeface="Consolas" panose="020B0609020204030204" pitchFamily="49" charset="0"/>
+              </a:rPr>
+              <a:t>vnL</a:t>
+            </a:r>
+            <a:endParaRPr lang="en-GB" sz="1800" dirty="0">
+              <a:latin typeface="Consolas" panose="020B0609020204030204" pitchFamily="49" charset="0"/>
+            </a:endParaRPr>
+          </a:p>
+          <a:p>
+            <a:pPr algn="l">
+              <a:lnSpc>
+                <a:spcPct val="100000"/>
+              </a:lnSpc>
+              <a:spcBef>
+                <a:spcPts val="0"/>
+              </a:spcBef>
+            </a:pPr>
+            <a:r>
+              <a:rPr lang="en-GB" sz="1800" dirty="0" err="1">
+                <a:latin typeface="Consolas" panose="020B0609020204030204" pitchFamily="49" charset="0"/>
+              </a:rPr>
+              <a:t>iptables</a:t>
+            </a:r>
+            <a:r>
+              <a:rPr lang="en-GB" sz="1800" dirty="0">
+                <a:latin typeface="Consolas" panose="020B0609020204030204" pitchFamily="49" charset="0"/>
+              </a:rPr>
+              <a:t> -X</a:t>
+            </a:r>
+          </a:p>
+          <a:p>
+            <a:pPr algn="l">
+              <a:lnSpc>
+                <a:spcPct val="100000"/>
+              </a:lnSpc>
+              <a:spcBef>
+                <a:spcPts val="0"/>
+              </a:spcBef>
+            </a:pPr>
+            <a:r>
+              <a:rPr lang="en-GB" sz="1800" dirty="0" err="1">
+                <a:latin typeface="Consolas" panose="020B0609020204030204" pitchFamily="49" charset="0"/>
+              </a:rPr>
+              <a:t>iptables</a:t>
+            </a:r>
+            <a:r>
+              <a:rPr lang="en-GB" sz="1800" dirty="0">
+                <a:latin typeface="Consolas" panose="020B0609020204030204" pitchFamily="49" charset="0"/>
+              </a:rPr>
+              <a:t> -F</a:t>
+            </a:r>
+          </a:p>
+          <a:p>
+            <a:pPr algn="l">
+              <a:lnSpc>
+                <a:spcPct val="100000"/>
+              </a:lnSpc>
+              <a:spcBef>
+                <a:spcPts val="0"/>
+              </a:spcBef>
+            </a:pPr>
+            <a:endParaRPr lang="en-GB" sz="1800" dirty="0">
+              <a:latin typeface="Consolas" panose="020B0609020204030204" pitchFamily="49" charset="0"/>
+            </a:endParaRPr>
+          </a:p>
+          <a:p>
+            <a:pPr algn="l">
+              <a:lnSpc>
+                <a:spcPct val="100000"/>
+              </a:lnSpc>
+              <a:spcBef>
+                <a:spcPts val="0"/>
+              </a:spcBef>
+            </a:pPr>
+            <a:r>
+              <a:rPr lang="en-GB" sz="1800" dirty="0" err="1">
+                <a:latin typeface="Consolas" panose="020B0609020204030204" pitchFamily="49" charset="0"/>
+              </a:rPr>
+              <a:t>iptables</a:t>
+            </a:r>
+            <a:r>
+              <a:rPr lang="en-GB" sz="1800" dirty="0">
+                <a:latin typeface="Consolas" panose="020B0609020204030204" pitchFamily="49" charset="0"/>
+              </a:rPr>
+              <a:t> -t </a:t>
+            </a:r>
+            <a:r>
+              <a:rPr lang="en-GB" sz="1800" dirty="0" err="1">
+                <a:latin typeface="Consolas" panose="020B0609020204030204" pitchFamily="49" charset="0"/>
+              </a:rPr>
+              <a:t>nat</a:t>
+            </a:r>
+            <a:r>
+              <a:rPr lang="en-GB" sz="1800" dirty="0">
+                <a:latin typeface="Consolas" panose="020B0609020204030204" pitchFamily="49" charset="0"/>
+              </a:rPr>
+              <a:t> -</a:t>
+            </a:r>
+            <a:r>
+              <a:rPr lang="en-GB" sz="1800" dirty="0" err="1">
+                <a:latin typeface="Consolas" panose="020B0609020204030204" pitchFamily="49" charset="0"/>
+              </a:rPr>
+              <a:t>vnL</a:t>
+            </a:r>
+            <a:endParaRPr lang="en-GB" sz="1800" dirty="0">
+              <a:latin typeface="Consolas" panose="020B0609020204030204" pitchFamily="49" charset="0"/>
+            </a:endParaRPr>
+          </a:p>
+          <a:p>
+            <a:pPr algn="l">
+              <a:lnSpc>
+                <a:spcPct val="100000"/>
+              </a:lnSpc>
+              <a:spcBef>
+                <a:spcPts val="0"/>
+              </a:spcBef>
+            </a:pPr>
+            <a:endParaRPr lang="en-GB" sz="1800" dirty="0">
+              <a:latin typeface="Consolas" panose="020B0609020204030204" pitchFamily="49" charset="0"/>
+            </a:endParaRPr>
+          </a:p>
+          <a:p>
+            <a:pPr algn="l">
+              <a:lnSpc>
+                <a:spcPct val="100000"/>
+              </a:lnSpc>
+              <a:spcBef>
+                <a:spcPts val="0"/>
+              </a:spcBef>
+            </a:pPr>
+            <a:r>
+              <a:rPr lang="en-GB" sz="1800" dirty="0">
+                <a:latin typeface="Consolas" panose="020B0609020204030204" pitchFamily="49" charset="0"/>
+              </a:rPr>
+              <a:t>PREROUTING chain</a:t>
+            </a:r>
+          </a:p>
+          <a:p>
+            <a:pPr algn="l">
+              <a:lnSpc>
+                <a:spcPct val="100000"/>
+              </a:lnSpc>
+              <a:spcBef>
+                <a:spcPts val="0"/>
+              </a:spcBef>
+            </a:pPr>
+            <a:r>
+              <a:rPr lang="en-GB" sz="1800" dirty="0">
+                <a:latin typeface="Consolas" panose="020B0609020204030204" pitchFamily="49" charset="0"/>
+              </a:rPr>
+              <a:t>POSTROUTING chain</a:t>
+            </a:r>
+          </a:p>
+          <a:p>
+            <a:pPr algn="l">
+              <a:lnSpc>
+                <a:spcPct val="100000"/>
+              </a:lnSpc>
+              <a:spcBef>
+                <a:spcPts val="0"/>
+              </a:spcBef>
+            </a:pPr>
+            <a:endParaRPr lang="en-GB" sz="1800" dirty="0">
+              <a:latin typeface="Consolas" panose="020B0609020204030204" pitchFamily="49" charset="0"/>
+            </a:endParaRPr>
+          </a:p>
+          <a:p>
+            <a:pPr algn="l">
+              <a:lnSpc>
+                <a:spcPct val="100000"/>
+              </a:lnSpc>
+              <a:spcBef>
+                <a:spcPts val="0"/>
+              </a:spcBef>
+            </a:pPr>
+            <a:r>
+              <a:rPr lang="en-GB" sz="1800" dirty="0" err="1">
+                <a:latin typeface="Consolas" panose="020B0609020204030204" pitchFamily="49" charset="0"/>
+              </a:rPr>
+              <a:t>iptables</a:t>
+            </a:r>
+            <a:r>
+              <a:rPr lang="en-GB" sz="1800" dirty="0">
+                <a:latin typeface="Consolas" panose="020B0609020204030204" pitchFamily="49" charset="0"/>
+              </a:rPr>
+              <a:t> -N &lt;my-own-chain&gt;</a:t>
+            </a:r>
+          </a:p>
+          <a:p>
+            <a:pPr algn="l">
+              <a:lnSpc>
+                <a:spcPct val="100000"/>
+              </a:lnSpc>
+              <a:spcBef>
+                <a:spcPts val="0"/>
+              </a:spcBef>
+            </a:pPr>
+            <a:endParaRPr lang="en-GB" sz="1800" dirty="0">
+              <a:latin typeface="Consolas" panose="020B0609020204030204" pitchFamily="49" charset="0"/>
+            </a:endParaRPr>
+          </a:p>
+          <a:p>
+            <a:pPr algn="l">
+              <a:lnSpc>
+                <a:spcPct val="100000"/>
+              </a:lnSpc>
+              <a:spcBef>
+                <a:spcPts val="0"/>
+              </a:spcBef>
+            </a:pPr>
+            <a:r>
+              <a:rPr lang="en-GB" sz="1800" dirty="0" err="1">
+                <a:latin typeface="Consolas" panose="020B0609020204030204" pitchFamily="49" charset="0"/>
+              </a:rPr>
+              <a:t>iptables</a:t>
+            </a:r>
+            <a:r>
+              <a:rPr lang="en-GB" sz="1800" dirty="0">
+                <a:latin typeface="Consolas" panose="020B0609020204030204" pitchFamily="49" charset="0"/>
+              </a:rPr>
+              <a:t> -I</a:t>
+            </a:r>
+          </a:p>
+          <a:p>
+            <a:pPr algn="l">
+              <a:lnSpc>
+                <a:spcPct val="100000"/>
+              </a:lnSpc>
+              <a:spcBef>
+                <a:spcPts val="0"/>
+              </a:spcBef>
+            </a:pPr>
+            <a:r>
+              <a:rPr lang="en-GB" sz="1800" dirty="0" err="1">
+                <a:latin typeface="Consolas" panose="020B0609020204030204" pitchFamily="49" charset="0"/>
+              </a:rPr>
+              <a:t>iptables</a:t>
+            </a:r>
+            <a:r>
+              <a:rPr lang="en-GB" sz="1800" dirty="0">
+                <a:latin typeface="Consolas" panose="020B0609020204030204" pitchFamily="49" charset="0"/>
+              </a:rPr>
+              <a:t> -A</a:t>
+            </a:r>
+          </a:p>
+          <a:p>
+            <a:pPr algn="l">
+              <a:lnSpc>
+                <a:spcPct val="100000"/>
+              </a:lnSpc>
+              <a:spcBef>
+                <a:spcPts val="0"/>
+              </a:spcBef>
+            </a:pPr>
+            <a:r>
+              <a:rPr lang="en-GB" sz="1800" dirty="0" err="1">
+                <a:latin typeface="Consolas" panose="020B0609020204030204" pitchFamily="49" charset="0"/>
+              </a:rPr>
+              <a:t>iptables</a:t>
+            </a:r>
+            <a:r>
+              <a:rPr lang="en-GB" sz="1800" dirty="0">
+                <a:latin typeface="Consolas" panose="020B0609020204030204" pitchFamily="49" charset="0"/>
+              </a:rPr>
+              <a:t> -D</a:t>
+            </a:r>
+          </a:p>
+        </p:txBody>
+      </p:sp>
+    </p:spTree>
+    <p:extLst>
+      <p:ext uri="{BB962C8B-B14F-4D97-AF65-F5344CB8AC3E}">
+        <p14:creationId xmlns:p14="http://schemas.microsoft.com/office/powerpoint/2010/main" val="2528354797"/>
+      </p:ext>
+    </p:extLst>
+  </p:cSld>
+  <p:clrMapOvr>
+    <a:masterClrMapping/>
+  </p:clrMapOvr>
+</p:sld>
+</file>
+
+<file path=ppt/slides/slide13.xml><?xml version="1.0" encoding="utf-8"?>
+<p:sld xmlns:a="http://schemas.openxmlformats.org/drawingml/2006/main" xmlns:r="http://schemas.openxmlformats.org/officeDocument/2006/relationships" xmlns:p="http://schemas.openxmlformats.org/presentationml/2006/main">
+  <p:cSld>
+    <p:spTree>
+      <p:nvGrpSpPr>
+        <p:cNvPr id="1" name=""/>
+        <p:cNvGrpSpPr/>
+        <p:nvPr/>
+      </p:nvGrpSpPr>
+      <p:grpSpPr>
+        <a:xfrm>
+          <a:off x="0" y="0"/>
+          <a:ext cx="0" cy="0"/>
+          <a:chOff x="0" y="0"/>
+          <a:chExt cx="0" cy="0"/>
+        </a:xfrm>
+      </p:grpSpPr>
+      <p:sp>
+        <p:nvSpPr>
+          <p:cNvPr id="2" name="Title 1"/>
+          <p:cNvSpPr>
+            <a:spLocks noGrp="1"/>
+          </p:cNvSpPr>
+          <p:nvPr>
+            <p:ph type="ctrTitle"/>
+          </p:nvPr>
+        </p:nvSpPr>
+        <p:spPr>
+          <a:xfrm>
+            <a:off x="1449859" y="296561"/>
+            <a:ext cx="9144000" cy="882093"/>
+          </a:xfrm>
+        </p:spPr>
+        <p:txBody>
+          <a:bodyPr>
+            <a:normAutofit fontScale="90000"/>
+          </a:bodyPr>
+          <a:lstStyle/>
+          <a:p>
+            <a:r>
+              <a:rPr lang="en-GB" dirty="0"/>
+              <a:t>IPTABLES</a:t>
+            </a:r>
+          </a:p>
+        </p:txBody>
+      </p:sp>
+      <p:sp>
+        <p:nvSpPr>
+          <p:cNvPr id="3" name="Subtitle 2"/>
+          <p:cNvSpPr>
+            <a:spLocks noGrp="1"/>
+          </p:cNvSpPr>
+          <p:nvPr>
+            <p:ph type="subTitle" idx="1"/>
+          </p:nvPr>
+        </p:nvSpPr>
+        <p:spPr>
+          <a:xfrm>
+            <a:off x="486033" y="1303680"/>
+            <a:ext cx="11170508" cy="5014741"/>
+          </a:xfrm>
+        </p:spPr>
+        <p:txBody>
+          <a:bodyPr>
+            <a:normAutofit/>
+          </a:bodyPr>
+          <a:lstStyle/>
+          <a:p>
+            <a:pPr algn="l">
+              <a:lnSpc>
+                <a:spcPct val="100000"/>
+              </a:lnSpc>
+              <a:spcBef>
+                <a:spcPts val="0"/>
+              </a:spcBef>
+            </a:pPr>
+            <a:r>
+              <a:rPr lang="en-GB" sz="1800" dirty="0">
+                <a:latin typeface="Consolas" panose="020B0609020204030204" pitchFamily="49" charset="0"/>
+              </a:rPr>
+              <a:t>### TASK ###</a:t>
+            </a:r>
+          </a:p>
+          <a:p>
+            <a:pPr algn="l">
+              <a:lnSpc>
+                <a:spcPct val="100000"/>
+              </a:lnSpc>
+              <a:spcBef>
+                <a:spcPts val="0"/>
+              </a:spcBef>
+            </a:pPr>
+            <a:endParaRPr lang="en-GB" sz="1800" dirty="0">
+              <a:latin typeface="Consolas" panose="020B0609020204030204" pitchFamily="49" charset="0"/>
+            </a:endParaRPr>
+          </a:p>
+          <a:p>
+            <a:pPr algn="l">
+              <a:lnSpc>
+                <a:spcPct val="100000"/>
+              </a:lnSpc>
+              <a:spcBef>
+                <a:spcPts val="0"/>
+              </a:spcBef>
+            </a:pPr>
+            <a:r>
+              <a:rPr lang="en-GB" sz="1800" dirty="0">
+                <a:latin typeface="Consolas" panose="020B0609020204030204" pitchFamily="49" charset="0"/>
+              </a:rPr>
+              <a:t># Allow all replies</a:t>
+            </a:r>
+          </a:p>
+          <a:p>
+            <a:pPr algn="l">
+              <a:lnSpc>
+                <a:spcPct val="100000"/>
+              </a:lnSpc>
+              <a:spcBef>
+                <a:spcPts val="0"/>
+              </a:spcBef>
+            </a:pPr>
+            <a:r>
+              <a:rPr lang="en-GB" sz="1800" dirty="0">
+                <a:latin typeface="Consolas" panose="020B0609020204030204" pitchFamily="49" charset="0"/>
+              </a:rPr>
+              <a:t># Allow localhost device all</a:t>
+            </a:r>
+          </a:p>
+          <a:p>
+            <a:pPr algn="l">
+              <a:lnSpc>
+                <a:spcPct val="100000"/>
+              </a:lnSpc>
+              <a:spcBef>
+                <a:spcPts val="0"/>
+              </a:spcBef>
+            </a:pPr>
+            <a:r>
+              <a:rPr lang="en-GB" sz="1800" dirty="0">
+                <a:latin typeface="Consolas" panose="020B0609020204030204" pitchFamily="49" charset="0"/>
+              </a:rPr>
+              <a:t># Allow SSH, state new</a:t>
+            </a:r>
+          </a:p>
+          <a:p>
+            <a:pPr algn="l">
+              <a:lnSpc>
+                <a:spcPct val="100000"/>
+              </a:lnSpc>
+              <a:spcBef>
+                <a:spcPts val="0"/>
+              </a:spcBef>
+            </a:pPr>
+            <a:r>
+              <a:rPr lang="en-GB" sz="1800" dirty="0">
+                <a:latin typeface="Consolas" panose="020B0609020204030204" pitchFamily="49" charset="0"/>
+              </a:rPr>
+              <a:t># Allow HTTP HTTPS multiport, state new</a:t>
+            </a:r>
+          </a:p>
+          <a:p>
+            <a:pPr algn="l">
+              <a:lnSpc>
+                <a:spcPct val="100000"/>
+              </a:lnSpc>
+              <a:spcBef>
+                <a:spcPts val="0"/>
+              </a:spcBef>
+            </a:pPr>
+            <a:endParaRPr lang="en-GB" sz="1800" dirty="0">
+              <a:latin typeface="Consolas" panose="020B0609020204030204" pitchFamily="49" charset="0"/>
+            </a:endParaRPr>
+          </a:p>
+          <a:p>
+            <a:pPr algn="l">
+              <a:lnSpc>
+                <a:spcPct val="100000"/>
+              </a:lnSpc>
+              <a:spcBef>
+                <a:spcPts val="0"/>
+              </a:spcBef>
+            </a:pPr>
+            <a:endParaRPr lang="en-GB" sz="1800" dirty="0">
+              <a:latin typeface="Consolas" panose="020B0609020204030204" pitchFamily="49" charset="0"/>
+            </a:endParaRPr>
+          </a:p>
+          <a:p>
+            <a:pPr algn="l">
+              <a:lnSpc>
+                <a:spcPct val="100000"/>
+              </a:lnSpc>
+              <a:spcBef>
+                <a:spcPts val="0"/>
+              </a:spcBef>
+            </a:pPr>
+            <a:r>
+              <a:rPr lang="en-GB" sz="1800" dirty="0">
+                <a:latin typeface="Consolas" panose="020B0609020204030204" pitchFamily="49" charset="0"/>
+              </a:rPr>
+              <a:t>Useful app: Fail2Ban</a:t>
+            </a:r>
+          </a:p>
+        </p:txBody>
+      </p:sp>
+    </p:spTree>
+    <p:extLst>
+      <p:ext uri="{BB962C8B-B14F-4D97-AF65-F5344CB8AC3E}">
+        <p14:creationId xmlns:p14="http://schemas.microsoft.com/office/powerpoint/2010/main" val="2557110595"/>
+      </p:ext>
+    </p:extLst>
+  </p:cSld>
+  <p:clrMapOvr>
+    <a:masterClrMapping/>
+  </p:clrMapOvr>
+</p:sld>
+</file>
+
 <file path=ppt/slides/slide2.xml><?xml version="1.0" encoding="utf-8"?>
 <p:sld xmlns:a="http://schemas.openxmlformats.org/drawingml/2006/main" xmlns:r="http://schemas.openxmlformats.org/officeDocument/2006/relationships" xmlns:p="http://schemas.openxmlformats.org/presentationml/2006/main">
   <p:cSld>
@@ -5094,8 +6695,13 @@
           <a:p>
             <a:r>
               <a:rPr lang="en-GB" dirty="0"/>
-              <a:t>IPTABLES</a:t>
-            </a:r>
+              <a:t>Easy-</a:t>
+            </a:r>
+            <a:r>
+              <a:rPr lang="en-GB" dirty="0" err="1"/>
+              <a:t>rsa</a:t>
+            </a:r>
+            <a:endParaRPr lang="en-GB" dirty="0"/>
           </a:p>
         </p:txBody>
       </p:sp>
@@ -5130,22 +6736,16 @@
               </a:spcBef>
             </a:pPr>
             <a:r>
-              <a:rPr lang="en-GB" sz="1800" dirty="0" err="1">
-                <a:latin typeface="Consolas" panose="020B0609020204030204" pitchFamily="49" charset="0"/>
-              </a:rPr>
-              <a:t>Firewalld</a:t>
-            </a:r>
-            <a:r>
-              <a:rPr lang="en-GB" sz="1800" dirty="0">
-                <a:latin typeface="Consolas" panose="020B0609020204030204" pitchFamily="49" charset="0"/>
-              </a:rPr>
-              <a:t> vs </a:t>
-            </a:r>
-            <a:r>
-              <a:rPr lang="en-GB" sz="1800" dirty="0" err="1">
-                <a:latin typeface="Consolas" panose="020B0609020204030204" pitchFamily="49" charset="0"/>
-              </a:rPr>
-              <a:t>iptables</a:t>
+              <a:rPr lang="en-GB" sz="1800" dirty="0">
+                <a:latin typeface="Consolas" panose="020B0609020204030204" pitchFamily="49" charset="0"/>
+              </a:rPr>
+              <a:t>yum -y install easy-</a:t>
+            </a:r>
+            <a:r>
+              <a:rPr lang="en-GB" sz="1800" dirty="0" err="1">
+                <a:latin typeface="Consolas" panose="020B0609020204030204" pitchFamily="49" charset="0"/>
+              </a:rPr>
+              <a:t>rsa</a:t>
             </a:r>
             <a:endParaRPr lang="en-GB" sz="1800" dirty="0">
               <a:latin typeface="Consolas" panose="020B0609020204030204" pitchFamily="49" charset="0"/>
@@ -5177,64 +6777,73 @@
               <a:rPr lang="en-GB" sz="1800" dirty="0" err="1">
                 <a:latin typeface="Consolas" panose="020B0609020204030204" pitchFamily="49" charset="0"/>
               </a:rPr>
-              <a:t>Firewalld</a:t>
-            </a:r>
-            <a:r>
-              <a:rPr lang="en-GB" sz="1800" dirty="0">
-                <a:latin typeface="Consolas" panose="020B0609020204030204" pitchFamily="49" charset="0"/>
-              </a:rPr>
-              <a:t> documentation: </a:t>
-            </a:r>
-            <a:r>
-              <a:rPr lang="en-GB" sz="1800" dirty="0">
-                <a:latin typeface="Consolas" panose="020B0609020204030204" pitchFamily="49" charset="0"/>
-                <a:hlinkClick r:id="rId2"/>
-              </a:rPr>
-              <a:t>http://www.firewalld.org/documentation/</a:t>
-            </a:r>
-            <a:endParaRPr lang="en-GB" sz="1800" b="1" dirty="0">
-              <a:latin typeface="Consolas" panose="020B0609020204030204" pitchFamily="49" charset="0"/>
-            </a:endParaRPr>
-          </a:p>
-          <a:p>
-            <a:pPr algn="l">
-              <a:lnSpc>
-                <a:spcPct val="100000"/>
-              </a:lnSpc>
-              <a:spcBef>
-                <a:spcPts val="0"/>
-              </a:spcBef>
-            </a:pPr>
-            <a:endParaRPr lang="en-GB" sz="1800" b="1" dirty="0">
-              <a:latin typeface="Consolas" panose="020B0609020204030204" pitchFamily="49" charset="0"/>
-            </a:endParaRPr>
-          </a:p>
-          <a:p>
-            <a:pPr algn="l">
-              <a:lnSpc>
-                <a:spcPct val="100000"/>
-              </a:lnSpc>
-              <a:spcBef>
-                <a:spcPts val="0"/>
-              </a:spcBef>
-            </a:pPr>
-            <a:r>
-              <a:rPr lang="en-GB" sz="1800" dirty="0">
-                <a:latin typeface="Consolas" panose="020B0609020204030204" pitchFamily="49" charset="0"/>
-              </a:rPr>
-              <a:t>Let's use </a:t>
-            </a:r>
-            <a:r>
-              <a:rPr lang="en-GB" sz="1800" dirty="0" err="1">
-                <a:latin typeface="Consolas" panose="020B0609020204030204" pitchFamily="49" charset="0"/>
-              </a:rPr>
-              <a:t>iptables</a:t>
-            </a:r>
-            <a:r>
-              <a:rPr lang="en-GB" sz="1800" dirty="0">
-                <a:latin typeface="Consolas" panose="020B0609020204030204" pitchFamily="49" charset="0"/>
-              </a:rPr>
-              <a:t> for now.</a:t>
+              <a:t>cp</a:t>
+            </a:r>
+            <a:r>
+              <a:rPr lang="en-GB" sz="1800" dirty="0">
+                <a:latin typeface="Consolas" panose="020B0609020204030204" pitchFamily="49" charset="0"/>
+              </a:rPr>
+              <a:t> -r /</a:t>
+            </a:r>
+            <a:r>
+              <a:rPr lang="en-GB" sz="1800" dirty="0" err="1">
+                <a:latin typeface="Consolas" panose="020B0609020204030204" pitchFamily="49" charset="0"/>
+              </a:rPr>
+              <a:t>usr</a:t>
+            </a:r>
+            <a:r>
+              <a:rPr lang="en-GB" sz="1800" dirty="0">
+                <a:latin typeface="Consolas" panose="020B0609020204030204" pitchFamily="49" charset="0"/>
+              </a:rPr>
+              <a:t>/share/easy-</a:t>
+            </a:r>
+            <a:r>
+              <a:rPr lang="en-GB" sz="1800" dirty="0" err="1">
+                <a:latin typeface="Consolas" panose="020B0609020204030204" pitchFamily="49" charset="0"/>
+              </a:rPr>
+              <a:t>rsa</a:t>
+            </a:r>
+            <a:r>
+              <a:rPr lang="en-GB" sz="1800" dirty="0">
+                <a:latin typeface="Consolas" panose="020B0609020204030204" pitchFamily="49" charset="0"/>
+              </a:rPr>
+              <a:t>/2.0 /</a:t>
+            </a:r>
+            <a:r>
+              <a:rPr lang="en-GB" sz="1800" dirty="0" err="1">
+                <a:latin typeface="Consolas" panose="020B0609020204030204" pitchFamily="49" charset="0"/>
+              </a:rPr>
+              <a:t>etc</a:t>
+            </a:r>
+            <a:r>
+              <a:rPr lang="en-GB" sz="1800" dirty="0">
+                <a:latin typeface="Consolas" panose="020B0609020204030204" pitchFamily="49" charset="0"/>
+              </a:rPr>
+              <a:t>/</a:t>
+            </a:r>
+            <a:r>
+              <a:rPr lang="en-GB" sz="1800" dirty="0" err="1">
+                <a:latin typeface="Consolas" panose="020B0609020204030204" pitchFamily="49" charset="0"/>
+              </a:rPr>
+              <a:t>openvpn</a:t>
+            </a:r>
+            <a:r>
+              <a:rPr lang="en-GB" sz="1800" dirty="0">
+                <a:latin typeface="Consolas" panose="020B0609020204030204" pitchFamily="49" charset="0"/>
+              </a:rPr>
+              <a:t>/</a:t>
+            </a:r>
+            <a:r>
+              <a:rPr lang="en-GB" sz="1800" dirty="0" err="1">
+                <a:latin typeface="Consolas" panose="020B0609020204030204" pitchFamily="49" charset="0"/>
+              </a:rPr>
+              <a:t>vpnserver</a:t>
+            </a:r>
+            <a:r>
+              <a:rPr lang="en-GB" sz="1800" dirty="0">
+                <a:latin typeface="Consolas" panose="020B0609020204030204" pitchFamily="49" charset="0"/>
+              </a:rPr>
+              <a:t>/</a:t>
             </a:r>
           </a:p>
           <a:p>
@@ -5260,165 +6869,17 @@
               </a:spcBef>
             </a:pPr>
             <a:r>
-              <a:rPr lang="en-GB" sz="1800" b="1" dirty="0">
-                <a:latin typeface="Consolas" panose="020B0609020204030204" pitchFamily="49" charset="0"/>
-              </a:rPr>
-              <a:t>IPTABLES</a:t>
-            </a:r>
-          </a:p>
-          <a:p>
-            <a:pPr algn="l">
-              <a:lnSpc>
-                <a:spcPct val="100000"/>
-              </a:lnSpc>
-              <a:spcBef>
-                <a:spcPts val="0"/>
-              </a:spcBef>
-            </a:pPr>
-            <a:endParaRPr lang="en-GB" sz="1800" b="1" dirty="0">
-              <a:latin typeface="Consolas" panose="020B0609020204030204" pitchFamily="49" charset="0"/>
-            </a:endParaRPr>
-          </a:p>
-          <a:p>
-            <a:pPr marL="285750" indent="-285750" algn="l">
-              <a:lnSpc>
-                <a:spcPct val="100000"/>
-              </a:lnSpc>
-              <a:spcBef>
-                <a:spcPts val="0"/>
-              </a:spcBef>
-              <a:buFont typeface="Arial" panose="020B0604020202020204" pitchFamily="34" charset="0"/>
-              <a:buChar char="•"/>
-            </a:pPr>
-            <a:r>
-              <a:rPr lang="en-GB" sz="1800" dirty="0">
-                <a:latin typeface="Consolas" panose="020B0609020204030204" pitchFamily="49" charset="0"/>
-              </a:rPr>
-              <a:t>Chains</a:t>
-            </a:r>
-          </a:p>
-          <a:p>
-            <a:pPr marL="742950" lvl="1" indent="-285750" algn="l">
-              <a:lnSpc>
-                <a:spcPct val="100000"/>
-              </a:lnSpc>
-              <a:spcBef>
-                <a:spcPts val="0"/>
-              </a:spcBef>
-              <a:buFont typeface="Arial" panose="020B0604020202020204" pitchFamily="34" charset="0"/>
-              <a:buChar char="•"/>
-            </a:pPr>
-            <a:r>
-              <a:rPr lang="en-GB" sz="1400" dirty="0">
-                <a:latin typeface="Consolas" panose="020B0609020204030204" pitchFamily="49" charset="0"/>
-              </a:rPr>
-              <a:t>input</a:t>
-            </a:r>
-          </a:p>
-          <a:p>
-            <a:pPr marL="742950" lvl="1" indent="-285750" algn="l">
-              <a:lnSpc>
-                <a:spcPct val="100000"/>
-              </a:lnSpc>
-              <a:spcBef>
-                <a:spcPts val="0"/>
-              </a:spcBef>
-              <a:buFont typeface="Arial" panose="020B0604020202020204" pitchFamily="34" charset="0"/>
-              <a:buChar char="•"/>
-            </a:pPr>
-            <a:r>
-              <a:rPr lang="en-GB" sz="1400" dirty="0">
-                <a:latin typeface="Consolas" panose="020B0609020204030204" pitchFamily="49" charset="0"/>
-              </a:rPr>
-              <a:t>forward</a:t>
-            </a:r>
-          </a:p>
-          <a:p>
-            <a:pPr marL="742950" lvl="1" indent="-285750" algn="l">
-              <a:lnSpc>
-                <a:spcPct val="100000"/>
-              </a:lnSpc>
-              <a:spcBef>
-                <a:spcPts val="0"/>
-              </a:spcBef>
-              <a:buFont typeface="Arial" panose="020B0604020202020204" pitchFamily="34" charset="0"/>
-              <a:buChar char="•"/>
-            </a:pPr>
-            <a:r>
-              <a:rPr lang="en-GB" sz="1400" dirty="0">
-                <a:latin typeface="Consolas" panose="020B0609020204030204" pitchFamily="49" charset="0"/>
-              </a:rPr>
-              <a:t>output</a:t>
-            </a:r>
-          </a:p>
-          <a:p>
-            <a:pPr marL="285750" indent="-285750" algn="l">
-              <a:lnSpc>
-                <a:spcPct val="100000"/>
-              </a:lnSpc>
-              <a:spcBef>
-                <a:spcPts val="0"/>
-              </a:spcBef>
-              <a:buFont typeface="Arial" panose="020B0604020202020204" pitchFamily="34" charset="0"/>
-              <a:buChar char="•"/>
-            </a:pPr>
-            <a:r>
-              <a:rPr lang="en-GB" sz="1800" dirty="0">
-                <a:latin typeface="Consolas" panose="020B0609020204030204" pitchFamily="49" charset="0"/>
-              </a:rPr>
-              <a:t>Tables</a:t>
-            </a:r>
-          </a:p>
-          <a:p>
-            <a:pPr marL="742950" lvl="1" indent="-285750" algn="l">
-              <a:lnSpc>
-                <a:spcPct val="100000"/>
-              </a:lnSpc>
-              <a:spcBef>
-                <a:spcPts val="0"/>
-              </a:spcBef>
-              <a:buFont typeface="Arial" panose="020B0604020202020204" pitchFamily="34" charset="0"/>
-              <a:buChar char="•"/>
-            </a:pPr>
-            <a:r>
-              <a:rPr lang="en-GB" sz="1400" dirty="0" err="1">
-                <a:latin typeface="Consolas" panose="020B0609020204030204" pitchFamily="49" charset="0"/>
-              </a:rPr>
-              <a:t>nat</a:t>
-            </a:r>
-            <a:endParaRPr lang="en-GB" sz="1400" dirty="0">
-              <a:latin typeface="Consolas" panose="020B0609020204030204" pitchFamily="49" charset="0"/>
-            </a:endParaRPr>
-          </a:p>
-          <a:p>
-            <a:pPr marL="742950" lvl="1" indent="-285750" algn="l">
-              <a:lnSpc>
-                <a:spcPct val="100000"/>
-              </a:lnSpc>
-              <a:spcBef>
-                <a:spcPts val="0"/>
-              </a:spcBef>
-              <a:buFont typeface="Arial" panose="020B0604020202020204" pitchFamily="34" charset="0"/>
-              <a:buChar char="•"/>
-            </a:pPr>
-            <a:r>
-              <a:rPr lang="en-GB" sz="1400" dirty="0">
-                <a:latin typeface="Consolas" panose="020B0609020204030204" pitchFamily="49" charset="0"/>
-              </a:rPr>
-              <a:t>mangle</a:t>
-            </a:r>
-          </a:p>
-          <a:p>
-            <a:pPr marL="285750" indent="-285750" algn="l">
-              <a:lnSpc>
-                <a:spcPct val="100000"/>
-              </a:lnSpc>
-              <a:spcBef>
-                <a:spcPts val="0"/>
-              </a:spcBef>
-              <a:buFont typeface="Arial" panose="020B0604020202020204" pitchFamily="34" charset="0"/>
-              <a:buChar char="•"/>
-            </a:pPr>
+              <a:rPr lang="en-GB" sz="1800" dirty="0">
+                <a:latin typeface="Consolas" panose="020B0609020204030204" pitchFamily="49" charset="0"/>
+              </a:rPr>
+              <a:t># edit </a:t>
+            </a:r>
+            <a:r>
+              <a:rPr lang="en-GB" sz="1800" dirty="0" err="1">
+                <a:latin typeface="Consolas" panose="020B0609020204030204" pitchFamily="49" charset="0"/>
+              </a:rPr>
+              <a:t>vars</a:t>
+            </a:r>
             <a:endParaRPr lang="en-GB" sz="1800" dirty="0">
               <a:latin typeface="Consolas" panose="020B0609020204030204" pitchFamily="49" charset="0"/>
             </a:endParaRPr>
@@ -5433,36 +6894,165 @@
               </a:spcBef>
             </a:pPr>
             <a:r>
-              <a:rPr lang="en-GB" sz="1800" dirty="0" err="1">
-                <a:latin typeface="Consolas" panose="020B0609020204030204" pitchFamily="49" charset="0"/>
-              </a:rPr>
-              <a:t>Stateful</a:t>
-            </a:r>
-            <a:r>
-              <a:rPr lang="en-GB" sz="1800" dirty="0">
-                <a:latin typeface="Consolas" panose="020B0609020204030204" pitchFamily="49" charset="0"/>
-              </a:rPr>
-              <a:t> firewall, </a:t>
-            </a:r>
-            <a:r>
-              <a:rPr lang="en-GB" sz="1800" dirty="0" err="1">
-                <a:latin typeface="Consolas" panose="020B0609020204030204" pitchFamily="49" charset="0"/>
-              </a:rPr>
-              <a:t>conntrack</a:t>
-            </a:r>
-            <a:r>
-              <a:rPr lang="en-GB" sz="1800" dirty="0">
-                <a:latin typeface="Consolas" panose="020B0609020204030204" pitchFamily="49" charset="0"/>
-              </a:rPr>
-              <a:t>, TCP States, 3 way handshake, TCP Fast Open</a:t>
-            </a:r>
+              <a:rPr lang="en-GB" sz="1800" dirty="0">
+                <a:latin typeface="Consolas" panose="020B0609020204030204" pitchFamily="49" charset="0"/>
+              </a:rPr>
+              <a:t>source ./</a:t>
+            </a:r>
+            <a:r>
+              <a:rPr lang="en-GB" sz="1800" dirty="0" err="1">
+                <a:latin typeface="Consolas" panose="020B0609020204030204" pitchFamily="49" charset="0"/>
+              </a:rPr>
+              <a:t>vars</a:t>
+            </a:r>
+            <a:endParaRPr lang="en-GB" sz="1800" dirty="0">
+              <a:latin typeface="Consolas" panose="020B0609020204030204" pitchFamily="49" charset="0"/>
+            </a:endParaRPr>
+          </a:p>
+          <a:p>
+            <a:pPr algn="l">
+              <a:lnSpc>
+                <a:spcPct val="100000"/>
+              </a:lnSpc>
+              <a:spcBef>
+                <a:spcPts val="0"/>
+              </a:spcBef>
+            </a:pPr>
+            <a:r>
+              <a:rPr lang="en-GB" sz="1800" dirty="0">
+                <a:latin typeface="Consolas" panose="020B0609020204030204" pitchFamily="49" charset="0"/>
+              </a:rPr>
+              <a:t>./clean-all</a:t>
+            </a:r>
+          </a:p>
+          <a:p>
+            <a:pPr algn="l">
+              <a:lnSpc>
+                <a:spcPct val="100000"/>
+              </a:lnSpc>
+              <a:spcBef>
+                <a:spcPts val="0"/>
+              </a:spcBef>
+            </a:pPr>
+            <a:r>
+              <a:rPr lang="en-GB" sz="1800" dirty="0">
+                <a:latin typeface="Consolas" panose="020B0609020204030204" pitchFamily="49" charset="0"/>
+              </a:rPr>
+              <a:t>./build-key-server </a:t>
+            </a:r>
+            <a:r>
+              <a:rPr lang="en-GB" sz="1800" dirty="0" err="1">
+                <a:latin typeface="Consolas" panose="020B0609020204030204" pitchFamily="49" charset="0"/>
+              </a:rPr>
+              <a:t>vpnserver</a:t>
+            </a:r>
+            <a:endParaRPr lang="en-GB" sz="1800" dirty="0">
+              <a:latin typeface="Consolas" panose="020B0609020204030204" pitchFamily="49" charset="0"/>
+            </a:endParaRPr>
+          </a:p>
+          <a:p>
+            <a:pPr algn="l">
+              <a:lnSpc>
+                <a:spcPct val="100000"/>
+              </a:lnSpc>
+              <a:spcBef>
+                <a:spcPts val="0"/>
+              </a:spcBef>
+            </a:pPr>
+            <a:r>
+              <a:rPr lang="en-GB" sz="1800" dirty="0">
+                <a:latin typeface="Consolas" panose="020B0609020204030204" pitchFamily="49" charset="0"/>
+              </a:rPr>
+              <a:t>./build-key </a:t>
+            </a:r>
+            <a:r>
+              <a:rPr lang="en-GB" sz="1800" dirty="0" err="1">
+                <a:latin typeface="Consolas" panose="020B0609020204030204" pitchFamily="49" charset="0"/>
+              </a:rPr>
+              <a:t>vpnclient</a:t>
+            </a:r>
+            <a:endParaRPr lang="en-GB" sz="1800" dirty="0">
+              <a:latin typeface="Consolas" panose="020B0609020204030204" pitchFamily="49" charset="0"/>
+            </a:endParaRPr>
+          </a:p>
+          <a:p>
+            <a:pPr algn="l">
+              <a:lnSpc>
+                <a:spcPct val="100000"/>
+              </a:lnSpc>
+              <a:spcBef>
+                <a:spcPts val="0"/>
+              </a:spcBef>
+            </a:pPr>
+            <a:r>
+              <a:rPr lang="en-GB" sz="1800" dirty="0">
+                <a:latin typeface="Consolas" panose="020B0609020204030204" pitchFamily="49" charset="0"/>
+              </a:rPr>
+              <a:t>./build-dh dh2048.pem</a:t>
+            </a:r>
+          </a:p>
+          <a:p>
+            <a:pPr algn="l">
+              <a:lnSpc>
+                <a:spcPct val="100000"/>
+              </a:lnSpc>
+              <a:spcBef>
+                <a:spcPts val="0"/>
+              </a:spcBef>
+            </a:pPr>
+            <a:r>
+              <a:rPr lang="en-GB" sz="1800" dirty="0" err="1">
+                <a:latin typeface="Consolas" panose="020B0609020204030204" pitchFamily="49" charset="0"/>
+              </a:rPr>
+              <a:t>openvpn</a:t>
+            </a:r>
+            <a:r>
+              <a:rPr lang="en-GB" sz="1800" dirty="0">
+                <a:latin typeface="Consolas" panose="020B0609020204030204" pitchFamily="49" charset="0"/>
+              </a:rPr>
+              <a:t> --</a:t>
+            </a:r>
+            <a:r>
+              <a:rPr lang="en-GB" sz="1800" dirty="0" err="1">
+                <a:latin typeface="Consolas" panose="020B0609020204030204" pitchFamily="49" charset="0"/>
+              </a:rPr>
+              <a:t>genkey</a:t>
+            </a:r>
+            <a:r>
+              <a:rPr lang="en-GB" sz="1800" dirty="0">
+                <a:latin typeface="Consolas" panose="020B0609020204030204" pitchFamily="49" charset="0"/>
+              </a:rPr>
+              <a:t> --secret keys/</a:t>
+            </a:r>
+            <a:r>
+              <a:rPr lang="en-GB" sz="1800" dirty="0" err="1">
+                <a:latin typeface="Consolas" panose="020B0609020204030204" pitchFamily="49" charset="0"/>
+              </a:rPr>
+              <a:t>ta.key</a:t>
+            </a:r>
+            <a:endParaRPr lang="en-GB" sz="1800" dirty="0">
+              <a:latin typeface="Consolas" panose="020B0609020204030204" pitchFamily="49" charset="0"/>
+            </a:endParaRPr>
+          </a:p>
+          <a:p>
+            <a:pPr algn="l">
+              <a:lnSpc>
+                <a:spcPct val="100000"/>
+              </a:lnSpc>
+              <a:spcBef>
+                <a:spcPts val="0"/>
+              </a:spcBef>
+            </a:pPr>
+            <a:endParaRPr lang="en-GB" sz="1800" dirty="0">
+              <a:latin typeface="Consolas" panose="020B0609020204030204" pitchFamily="49" charset="0"/>
+            </a:endParaRPr>
           </a:p>
         </p:txBody>
       </p:sp>
     </p:spTree>
     <p:extLst>
       <p:ext uri="{BB962C8B-B14F-4D97-AF65-F5344CB8AC3E}">
-        <p14:creationId xmlns:p14="http://schemas.microsoft.com/office/powerpoint/2010/main" val="3737305920"/>
+        <p14:creationId xmlns:p14="http://schemas.microsoft.com/office/powerpoint/2010/main" val="4004678190"/>
       </p:ext>
     </p:extLst>
   </p:cSld>
@@ -5513,8 +7103,13 @@
           <a:p>
             <a:r>
               <a:rPr lang="en-GB" dirty="0"/>
-              <a:t>IPTABLES</a:t>
-            </a:r>
+              <a:t>Example server </a:t>
+            </a:r>
+            <a:r>
+              <a:rPr lang="en-GB" dirty="0" err="1"/>
+              <a:t>config</a:t>
+            </a:r>
+            <a:endParaRPr lang="en-GB" dirty="0"/>
           </a:p>
         </p:txBody>
       </p:sp>
@@ -5536,7 +7131,7 @@
         </p:spPr>
         <p:txBody>
           <a:bodyPr>
-            <a:normAutofit lnSpcReduction="10000"/>
+            <a:normAutofit fontScale="25000" lnSpcReduction="20000"/>
           </a:bodyPr>
           <a:lstStyle/>
           <a:p>
@@ -5552,13 +7147,13 @@
               <a:rPr lang="en-GB" sz="1800" dirty="0">
                 <a:latin typeface="Consolas" panose="020B0609020204030204" pitchFamily="49" charset="0"/>
               </a:rPr>
-              <a:t>/root/.</a:t>
-            </a:r>
-            <a:r>
-              <a:rPr lang="en-GB" sz="1800" dirty="0" err="1">
-                <a:latin typeface="Consolas" panose="020B0609020204030204" pitchFamily="49" charset="0"/>
-              </a:rPr>
-              <a:t>bashrc</a:t>
+              <a:t>;local </a:t>
+            </a:r>
+            <a:r>
+              <a:rPr lang="en-GB" sz="1800" dirty="0" err="1">
+                <a:latin typeface="Consolas" panose="020B0609020204030204" pitchFamily="49" charset="0"/>
+              </a:rPr>
+              <a:t>a.b.c.d</a:t>
             </a:r>
             <a:endParaRPr lang="en-GB" sz="1800" dirty="0">
               <a:latin typeface="Consolas" panose="020B0609020204030204" pitchFamily="49" charset="0"/>
@@ -5577,66 +7172,18 @@
               <a:rPr lang="en-GB" sz="1800" dirty="0">
                 <a:latin typeface="Consolas" panose="020B0609020204030204" pitchFamily="49" charset="0"/>
               </a:rPr>
-              <a:t>alias </a:t>
-            </a:r>
-            <a:r>
-              <a:rPr lang="en-GB" sz="1800" dirty="0" err="1">
-                <a:latin typeface="Consolas" panose="020B0609020204030204" pitchFamily="49" charset="0"/>
-              </a:rPr>
-              <a:t>iptablesl</a:t>
-            </a:r>
-            <a:r>
-              <a:rPr lang="en-GB" sz="1800" dirty="0">
-                <a:latin typeface="Consolas" panose="020B0609020204030204" pitchFamily="49" charset="0"/>
-              </a:rPr>
-              <a:t>="</a:t>
-            </a:r>
-            <a:r>
-              <a:rPr lang="en-GB" sz="1800" dirty="0" err="1">
-                <a:latin typeface="Consolas" panose="020B0609020204030204" pitchFamily="49" charset="0"/>
-              </a:rPr>
-              <a:t>iptables</a:t>
-            </a:r>
-            <a:r>
-              <a:rPr lang="en-GB" sz="1800" dirty="0">
-                <a:latin typeface="Consolas" panose="020B0609020204030204" pitchFamily="49" charset="0"/>
-              </a:rPr>
-              <a:t> --line-</a:t>
-            </a:r>
-            <a:r>
-              <a:rPr lang="en-GB" sz="1800" dirty="0" err="1">
-                <a:latin typeface="Consolas" panose="020B0609020204030204" pitchFamily="49" charset="0"/>
-              </a:rPr>
-              <a:t>nums</a:t>
-            </a:r>
-            <a:r>
-              <a:rPr lang="en-GB" sz="1800" dirty="0">
-                <a:latin typeface="Consolas" panose="020B0609020204030204" pitchFamily="49" charset="0"/>
-              </a:rPr>
-              <a:t>"</a:t>
-            </a:r>
-          </a:p>
-          <a:p>
-            <a:pPr algn="l">
-              <a:lnSpc>
-                <a:spcPct val="100000"/>
-              </a:lnSpc>
-              <a:spcBef>
-                <a:spcPts val="0"/>
-              </a:spcBef>
-            </a:pPr>
-            <a:r>
-              <a:rPr lang="en-GB" sz="1800" dirty="0">
-                <a:latin typeface="Consolas" panose="020B0609020204030204" pitchFamily="49" charset="0"/>
-              </a:rPr>
-              <a:t>source /root/.</a:t>
-            </a:r>
-            <a:r>
-              <a:rPr lang="en-GB" sz="1800" dirty="0" err="1">
-                <a:latin typeface="Consolas" panose="020B0609020204030204" pitchFamily="49" charset="0"/>
-              </a:rPr>
-              <a:t>bashrc</a:t>
-            </a:r>
+              <a:t>port 1194</a:t>
+            </a:r>
+          </a:p>
+          <a:p>
+            <a:pPr algn="l">
+              <a:lnSpc>
+                <a:spcPct val="100000"/>
+              </a:lnSpc>
+              <a:spcBef>
+                <a:spcPts val="0"/>
+              </a:spcBef>
+            </a:pPr>
             <a:endParaRPr lang="en-GB" sz="1800" dirty="0">
               <a:latin typeface="Consolas" panose="020B0609020204030204" pitchFamily="49" charset="0"/>
             </a:endParaRPr>
@@ -5650,6 +7197,34 @@
                 <a:spcPts val="0"/>
               </a:spcBef>
             </a:pPr>
+            <a:r>
+              <a:rPr lang="en-GB" sz="1800" dirty="0">
+                <a:latin typeface="Consolas" panose="020B0609020204030204" pitchFamily="49" charset="0"/>
+              </a:rPr>
+              <a:t># TCP or UDP server?</a:t>
+            </a:r>
+          </a:p>
+          <a:p>
+            <a:pPr algn="l">
+              <a:lnSpc>
+                <a:spcPct val="100000"/>
+              </a:lnSpc>
+              <a:spcBef>
+                <a:spcPts val="0"/>
+              </a:spcBef>
+            </a:pPr>
+            <a:r>
+              <a:rPr lang="en-GB" sz="1800" dirty="0">
+                <a:latin typeface="Consolas" panose="020B0609020204030204" pitchFamily="49" charset="0"/>
+              </a:rPr>
+              <a:t>;proto </a:t>
+            </a:r>
+            <a:r>
+              <a:rPr lang="en-GB" sz="1800" dirty="0" err="1">
+                <a:latin typeface="Consolas" panose="020B0609020204030204" pitchFamily="49" charset="0"/>
+              </a:rPr>
+              <a:t>tcp</a:t>
+            </a:r>
             <a:endParaRPr lang="en-GB" sz="1800" dirty="0">
               <a:latin typeface="Consolas" panose="020B0609020204030204" pitchFamily="49" charset="0"/>
             </a:endParaRPr>
@@ -5664,22 +7239,16 @@
               </a:spcBef>
             </a:pPr>
             <a:r>
-              <a:rPr lang="en-GB" sz="1800" dirty="0" err="1">
-                <a:latin typeface="Consolas" panose="020B0609020204030204" pitchFamily="49" charset="0"/>
-              </a:rPr>
-              <a:t>iptables</a:t>
-            </a:r>
-            <a:r>
-              <a:rPr lang="en-GB" sz="1800" dirty="0">
-                <a:latin typeface="Consolas" panose="020B0609020204030204" pitchFamily="49" charset="0"/>
-              </a:rPr>
-              <a:t> -</a:t>
-            </a:r>
-            <a:r>
-              <a:rPr lang="en-GB" sz="1800" dirty="0" err="1">
-                <a:latin typeface="Consolas" panose="020B0609020204030204" pitchFamily="49" charset="0"/>
-              </a:rPr>
-              <a:t>vnL</a:t>
+              <a:rPr lang="en-GB" sz="1800" dirty="0">
+                <a:latin typeface="Consolas" panose="020B0609020204030204" pitchFamily="49" charset="0"/>
+              </a:rPr>
+              <a:t>proto </a:t>
+            </a:r>
+            <a:r>
+              <a:rPr lang="en-GB" sz="1800" dirty="0" err="1">
+                <a:latin typeface="Consolas" panose="020B0609020204030204" pitchFamily="49" charset="0"/>
+              </a:rPr>
+              <a:t>udp</a:t>
             </a:r>
             <a:endParaRPr lang="en-GB" sz="1800" dirty="0">
               <a:latin typeface="Consolas" panose="020B0609020204030204" pitchFamily="49" charset="0"/>
@@ -5694,50 +7263,6 @@
                 <a:spcPts val="0"/>
               </a:spcBef>
             </a:pPr>
-            <a:r>
-              <a:rPr lang="en-GB" sz="1800" dirty="0" err="1">
-                <a:latin typeface="Consolas" panose="020B0609020204030204" pitchFamily="49" charset="0"/>
-              </a:rPr>
-              <a:t>iptables</a:t>
-            </a:r>
-            <a:r>
-              <a:rPr lang="en-GB" sz="1800" dirty="0">
-                <a:latin typeface="Consolas" panose="020B0609020204030204" pitchFamily="49" charset="0"/>
-              </a:rPr>
-              <a:t> -X</a:t>
-            </a:r>
-          </a:p>
-          <a:p>
-            <a:pPr algn="l">
-              <a:lnSpc>
-                <a:spcPct val="100000"/>
-              </a:lnSpc>
-              <a:spcBef>
-                <a:spcPts val="0"/>
-              </a:spcBef>
-            </a:pPr>
-            <a:r>
-              <a:rPr lang="en-GB" sz="1800" dirty="0" err="1">
-                <a:latin typeface="Consolas" panose="020B0609020204030204" pitchFamily="49" charset="0"/>
-              </a:rPr>
-              <a:t>iptables</a:t>
-            </a:r>
-            <a:r>
-              <a:rPr lang="en-GB" sz="1800" dirty="0">
-                <a:latin typeface="Consolas" panose="020B0609020204030204" pitchFamily="49" charset="0"/>
-              </a:rPr>
-              <a:t> -F</a:t>
-            </a:r>
-          </a:p>
-          <a:p>
-            <a:pPr algn="l">
-              <a:lnSpc>
-                <a:spcPct val="100000"/>
-              </a:lnSpc>
-              <a:spcBef>
-                <a:spcPts val="0"/>
-              </a:spcBef>
-            </a:pPr>
             <a:endParaRPr lang="en-GB" sz="1800" dirty="0">
               <a:latin typeface="Consolas" panose="020B0609020204030204" pitchFamily="49" charset="0"/>
             </a:endParaRPr>
@@ -5752,34 +7277,32 @@
               </a:spcBef>
             </a:pPr>
             <a:r>
-              <a:rPr lang="en-GB" sz="1800" dirty="0" err="1">
-                <a:latin typeface="Consolas" panose="020B0609020204030204" pitchFamily="49" charset="0"/>
-              </a:rPr>
-              <a:t>iptables</a:t>
-            </a:r>
-            <a:r>
-              <a:rPr lang="en-GB" sz="1800" dirty="0">
-                <a:latin typeface="Consolas" panose="020B0609020204030204" pitchFamily="49" charset="0"/>
-              </a:rPr>
-              <a:t> -t </a:t>
-            </a:r>
-            <a:r>
-              <a:rPr lang="en-GB" sz="1800" dirty="0" err="1">
-                <a:latin typeface="Consolas" panose="020B0609020204030204" pitchFamily="49" charset="0"/>
-              </a:rPr>
-              <a:t>nat</a:t>
-            </a:r>
-            <a:r>
-              <a:rPr lang="en-GB" sz="1800" dirty="0">
-                <a:latin typeface="Consolas" panose="020B0609020204030204" pitchFamily="49" charset="0"/>
-              </a:rPr>
-              <a:t> -</a:t>
-            </a:r>
-            <a:r>
-              <a:rPr lang="en-GB" sz="1800" dirty="0" err="1">
-                <a:latin typeface="Consolas" panose="020B0609020204030204" pitchFamily="49" charset="0"/>
-              </a:rPr>
-              <a:t>vnL</a:t>
+              <a:rPr lang="en-GB" sz="1800" dirty="0">
+                <a:latin typeface="Consolas" panose="020B0609020204030204" pitchFamily="49" charset="0"/>
+              </a:rPr>
+              <a:t>;dev tap</a:t>
+            </a:r>
+          </a:p>
+          <a:p>
+            <a:pPr algn="l">
+              <a:lnSpc>
+                <a:spcPct val="100000"/>
+              </a:lnSpc>
+              <a:spcBef>
+                <a:spcPts val="0"/>
+              </a:spcBef>
+            </a:pPr>
+            <a:r>
+              <a:rPr lang="en-GB" sz="1800" dirty="0">
+                <a:latin typeface="Consolas" panose="020B0609020204030204" pitchFamily="49" charset="0"/>
+              </a:rPr>
+              <a:t>dev </a:t>
+            </a:r>
+            <a:r>
+              <a:rPr lang="en-GB" sz="1800" dirty="0" err="1">
+                <a:latin typeface="Consolas" panose="020B0609020204030204" pitchFamily="49" charset="0"/>
+              </a:rPr>
+              <a:t>tun</a:t>
             </a:r>
             <a:endParaRPr lang="en-GB" sz="1800" dirty="0">
               <a:latin typeface="Consolas" panose="020B0609020204030204" pitchFamily="49" charset="0"/>
@@ -5811,34 +7334,154 @@
               <a:rPr lang="en-GB" sz="1800" dirty="0">
                 <a:latin typeface="Consolas" panose="020B0609020204030204" pitchFamily="49" charset="0"/>
               </a:rPr>
-              <a:t>PREROUTING chain</a:t>
-            </a:r>
-          </a:p>
-          <a:p>
-            <a:pPr algn="l">
-              <a:lnSpc>
-                <a:spcPct val="100000"/>
-              </a:lnSpc>
-              <a:spcBef>
-                <a:spcPts val="0"/>
-              </a:spcBef>
-            </a:pPr>
-            <a:r>
-              <a:rPr lang="en-GB" sz="1800" dirty="0">
-                <a:latin typeface="Consolas" panose="020B0609020204030204" pitchFamily="49" charset="0"/>
-              </a:rPr>
-              <a:t>POSTROUTING chain</a:t>
-            </a:r>
-          </a:p>
-          <a:p>
-            <a:pPr algn="l">
-              <a:lnSpc>
-                <a:spcPct val="100000"/>
-              </a:lnSpc>
-              <a:spcBef>
-                <a:spcPts val="0"/>
-              </a:spcBef>
-            </a:pPr>
+              <a:t>#ca /</a:t>
+            </a:r>
+            <a:r>
+              <a:rPr lang="en-GB" sz="1800" dirty="0" err="1">
+                <a:latin typeface="Consolas" panose="020B0609020204030204" pitchFamily="49" charset="0"/>
+              </a:rPr>
+              <a:t>etc</a:t>
+            </a:r>
+            <a:r>
+              <a:rPr lang="en-GB" sz="1800" dirty="0">
+                <a:latin typeface="Consolas" panose="020B0609020204030204" pitchFamily="49" charset="0"/>
+              </a:rPr>
+              <a:t>/</a:t>
+            </a:r>
+            <a:r>
+              <a:rPr lang="en-GB" sz="1800" dirty="0" err="1">
+                <a:latin typeface="Consolas" panose="020B0609020204030204" pitchFamily="49" charset="0"/>
+              </a:rPr>
+              <a:t>openvpn</a:t>
+            </a:r>
+            <a:r>
+              <a:rPr lang="en-GB" sz="1800" dirty="0">
+                <a:latin typeface="Consolas" panose="020B0609020204030204" pitchFamily="49" charset="0"/>
+              </a:rPr>
+              <a:t>/</a:t>
+            </a:r>
+            <a:r>
+              <a:rPr lang="en-GB" sz="1800" dirty="0" err="1">
+                <a:latin typeface="Consolas" panose="020B0609020204030204" pitchFamily="49" charset="0"/>
+              </a:rPr>
+              <a:t>vpnserver</a:t>
+            </a:r>
+            <a:r>
+              <a:rPr lang="en-GB" sz="1800" dirty="0">
+                <a:latin typeface="Consolas" panose="020B0609020204030204" pitchFamily="49" charset="0"/>
+              </a:rPr>
+              <a:t>/keys/ca.crt</a:t>
+            </a:r>
+          </a:p>
+          <a:p>
+            <a:pPr algn="l">
+              <a:lnSpc>
+                <a:spcPct val="100000"/>
+              </a:lnSpc>
+              <a:spcBef>
+                <a:spcPts val="0"/>
+              </a:spcBef>
+            </a:pPr>
+            <a:r>
+              <a:rPr lang="en-GB" sz="1800" dirty="0">
+                <a:latin typeface="Consolas" panose="020B0609020204030204" pitchFamily="49" charset="0"/>
+              </a:rPr>
+              <a:t>#cert /</a:t>
+            </a:r>
+            <a:r>
+              <a:rPr lang="en-GB" sz="1800" dirty="0" err="1">
+                <a:latin typeface="Consolas" panose="020B0609020204030204" pitchFamily="49" charset="0"/>
+              </a:rPr>
+              <a:t>etc</a:t>
+            </a:r>
+            <a:r>
+              <a:rPr lang="en-GB" sz="1800" dirty="0">
+                <a:latin typeface="Consolas" panose="020B0609020204030204" pitchFamily="49" charset="0"/>
+              </a:rPr>
+              <a:t>/</a:t>
+            </a:r>
+            <a:r>
+              <a:rPr lang="en-GB" sz="1800" dirty="0" err="1">
+                <a:latin typeface="Consolas" panose="020B0609020204030204" pitchFamily="49" charset="0"/>
+              </a:rPr>
+              <a:t>openvpn</a:t>
+            </a:r>
+            <a:r>
+              <a:rPr lang="en-GB" sz="1800" dirty="0">
+                <a:latin typeface="Consolas" panose="020B0609020204030204" pitchFamily="49" charset="0"/>
+              </a:rPr>
+              <a:t>/</a:t>
+            </a:r>
+            <a:r>
+              <a:rPr lang="en-GB" sz="1800" dirty="0" err="1">
+                <a:latin typeface="Consolas" panose="020B0609020204030204" pitchFamily="49" charset="0"/>
+              </a:rPr>
+              <a:t>vpnserver</a:t>
+            </a:r>
+            <a:r>
+              <a:rPr lang="en-GB" sz="1800" dirty="0">
+                <a:latin typeface="Consolas" panose="020B0609020204030204" pitchFamily="49" charset="0"/>
+              </a:rPr>
+              <a:t>/keys/vpnserver.crt</a:t>
+            </a:r>
+          </a:p>
+          <a:p>
+            <a:pPr algn="l">
+              <a:lnSpc>
+                <a:spcPct val="100000"/>
+              </a:lnSpc>
+              <a:spcBef>
+                <a:spcPts val="0"/>
+              </a:spcBef>
+            </a:pPr>
+            <a:r>
+              <a:rPr lang="en-GB" sz="1800" dirty="0">
+                <a:latin typeface="Consolas" panose="020B0609020204030204" pitchFamily="49" charset="0"/>
+              </a:rPr>
+              <a:t>#key /</a:t>
+            </a:r>
+            <a:r>
+              <a:rPr lang="en-GB" sz="1800" dirty="0" err="1">
+                <a:latin typeface="Consolas" panose="020B0609020204030204" pitchFamily="49" charset="0"/>
+              </a:rPr>
+              <a:t>etc</a:t>
+            </a:r>
+            <a:r>
+              <a:rPr lang="en-GB" sz="1800" dirty="0">
+                <a:latin typeface="Consolas" panose="020B0609020204030204" pitchFamily="49" charset="0"/>
+              </a:rPr>
+              <a:t>/</a:t>
+            </a:r>
+            <a:r>
+              <a:rPr lang="en-GB" sz="1800" dirty="0" err="1">
+                <a:latin typeface="Consolas" panose="020B0609020204030204" pitchFamily="49" charset="0"/>
+              </a:rPr>
+              <a:t>openvpn</a:t>
+            </a:r>
+            <a:r>
+              <a:rPr lang="en-GB" sz="1800" dirty="0">
+                <a:latin typeface="Consolas" panose="020B0609020204030204" pitchFamily="49" charset="0"/>
+              </a:rPr>
+              <a:t>/</a:t>
+            </a:r>
+            <a:r>
+              <a:rPr lang="en-GB" sz="1800" dirty="0" err="1">
+                <a:latin typeface="Consolas" panose="020B0609020204030204" pitchFamily="49" charset="0"/>
+              </a:rPr>
+              <a:t>vpnserver</a:t>
+            </a:r>
+            <a:r>
+              <a:rPr lang="en-GB" sz="1800" dirty="0">
+                <a:latin typeface="Consolas" panose="020B0609020204030204" pitchFamily="49" charset="0"/>
+              </a:rPr>
+              <a:t>/keys/</a:t>
+            </a:r>
+            <a:r>
+              <a:rPr lang="en-GB" sz="1800" dirty="0" err="1">
+                <a:latin typeface="Consolas" panose="020B0609020204030204" pitchFamily="49" charset="0"/>
+              </a:rPr>
+              <a:t>vpnserver.key</a:t>
+            </a:r>
             <a:endParaRPr lang="en-GB" sz="1800" dirty="0">
               <a:latin typeface="Consolas" panose="020B0609020204030204" pitchFamily="49" charset="0"/>
             </a:endParaRPr>
@@ -5853,16 +7496,122 @@
               </a:spcBef>
             </a:pPr>
             <a:r>
-              <a:rPr lang="en-GB" sz="1800" dirty="0" err="1">
-                <a:latin typeface="Consolas" panose="020B0609020204030204" pitchFamily="49" charset="0"/>
-              </a:rPr>
-              <a:t>iptables</a:t>
-            </a:r>
-            <a:r>
-              <a:rPr lang="en-GB" sz="1800" dirty="0">
-                <a:latin typeface="Consolas" panose="020B0609020204030204" pitchFamily="49" charset="0"/>
-              </a:rPr>
-              <a:t> -N &lt;my-own-chain&gt;</a:t>
+              <a:rPr lang="en-GB" sz="1800" dirty="0">
+                <a:latin typeface="Consolas" panose="020B0609020204030204" pitchFamily="49" charset="0"/>
+              </a:rPr>
+              <a:t>#dh /</a:t>
+            </a:r>
+            <a:r>
+              <a:rPr lang="en-GB" sz="1800" dirty="0" err="1">
+                <a:latin typeface="Consolas" panose="020B0609020204030204" pitchFamily="49" charset="0"/>
+              </a:rPr>
+              <a:t>etc</a:t>
+            </a:r>
+            <a:r>
+              <a:rPr lang="en-GB" sz="1800" dirty="0">
+                <a:latin typeface="Consolas" panose="020B0609020204030204" pitchFamily="49" charset="0"/>
+              </a:rPr>
+              <a:t>/</a:t>
+            </a:r>
+            <a:r>
+              <a:rPr lang="en-GB" sz="1800" dirty="0" err="1">
+                <a:latin typeface="Consolas" panose="020B0609020204030204" pitchFamily="49" charset="0"/>
+              </a:rPr>
+              <a:t>openvpn</a:t>
+            </a:r>
+            <a:r>
+              <a:rPr lang="en-GB" sz="1800" dirty="0">
+                <a:latin typeface="Consolas" panose="020B0609020204030204" pitchFamily="49" charset="0"/>
+              </a:rPr>
+              <a:t>/</a:t>
+            </a:r>
+            <a:r>
+              <a:rPr lang="en-GB" sz="1800" dirty="0" err="1">
+                <a:latin typeface="Consolas" panose="020B0609020204030204" pitchFamily="49" charset="0"/>
+              </a:rPr>
+              <a:t>vpnserver</a:t>
+            </a:r>
+            <a:r>
+              <a:rPr lang="en-GB" sz="1800" dirty="0">
+                <a:latin typeface="Consolas" panose="020B0609020204030204" pitchFamily="49" charset="0"/>
+              </a:rPr>
+              <a:t>/keys/dh2048.pem</a:t>
+            </a:r>
+          </a:p>
+          <a:p>
+            <a:pPr algn="l">
+              <a:lnSpc>
+                <a:spcPct val="100000"/>
+              </a:lnSpc>
+              <a:spcBef>
+                <a:spcPts val="0"/>
+              </a:spcBef>
+            </a:pPr>
+            <a:r>
+              <a:rPr lang="en-GB" sz="1800" dirty="0">
+                <a:latin typeface="Consolas" panose="020B0609020204030204" pitchFamily="49" charset="0"/>
+              </a:rPr>
+              <a:t>#</a:t>
+            </a:r>
+            <a:r>
+              <a:rPr lang="en-GB" sz="1800" dirty="0" err="1">
+                <a:latin typeface="Consolas" panose="020B0609020204030204" pitchFamily="49" charset="0"/>
+              </a:rPr>
+              <a:t>tls-auth</a:t>
+            </a:r>
+            <a:r>
+              <a:rPr lang="en-GB" sz="1800" dirty="0">
+                <a:latin typeface="Consolas" panose="020B0609020204030204" pitchFamily="49" charset="0"/>
+              </a:rPr>
+              <a:t> /</a:t>
+            </a:r>
+            <a:r>
+              <a:rPr lang="en-GB" sz="1800" dirty="0" err="1">
+                <a:latin typeface="Consolas" panose="020B0609020204030204" pitchFamily="49" charset="0"/>
+              </a:rPr>
+              <a:t>etc</a:t>
+            </a:r>
+            <a:r>
+              <a:rPr lang="en-GB" sz="1800" dirty="0">
+                <a:latin typeface="Consolas" panose="020B0609020204030204" pitchFamily="49" charset="0"/>
+              </a:rPr>
+              <a:t>/</a:t>
+            </a:r>
+            <a:r>
+              <a:rPr lang="en-GB" sz="1800" dirty="0" err="1">
+                <a:latin typeface="Consolas" panose="020B0609020204030204" pitchFamily="49" charset="0"/>
+              </a:rPr>
+              <a:t>openvpn</a:t>
+            </a:r>
+            <a:r>
+              <a:rPr lang="en-GB" sz="1800" dirty="0">
+                <a:latin typeface="Consolas" panose="020B0609020204030204" pitchFamily="49" charset="0"/>
+              </a:rPr>
+              <a:t>/</a:t>
+            </a:r>
+            <a:r>
+              <a:rPr lang="en-GB" sz="1800" dirty="0" err="1">
+                <a:latin typeface="Consolas" panose="020B0609020204030204" pitchFamily="49" charset="0"/>
+              </a:rPr>
+              <a:t>vpnserver</a:t>
+            </a:r>
+            <a:r>
+              <a:rPr lang="en-GB" sz="1800" dirty="0">
+                <a:latin typeface="Consolas" panose="020B0609020204030204" pitchFamily="49" charset="0"/>
+              </a:rPr>
+              <a:t>/keys/</a:t>
+            </a:r>
+            <a:r>
+              <a:rPr lang="en-GB" sz="1800" dirty="0" err="1">
+                <a:latin typeface="Consolas" panose="020B0609020204030204" pitchFamily="49" charset="0"/>
+              </a:rPr>
+              <a:t>ta.key</a:t>
+            </a:r>
+            <a:r>
+              <a:rPr lang="en-GB" sz="1800" dirty="0">
+                <a:latin typeface="Consolas" panose="020B0609020204030204" pitchFamily="49" charset="0"/>
+              </a:rPr>
+              <a:t> 0</a:t>
             </a:r>
           </a:p>
           <a:p>
@@ -5888,68 +7637,1022 @@
               </a:spcBef>
             </a:pPr>
             <a:r>
-              <a:rPr lang="en-GB" sz="1800" dirty="0" err="1">
-                <a:latin typeface="Consolas" panose="020B0609020204030204" pitchFamily="49" charset="0"/>
-              </a:rPr>
-              <a:t>iptables</a:t>
-            </a:r>
-            <a:r>
-              <a:rPr lang="en-GB" sz="1800" dirty="0">
-                <a:latin typeface="Consolas" panose="020B0609020204030204" pitchFamily="49" charset="0"/>
-              </a:rPr>
-              <a:t> -I</a:t>
-            </a:r>
-          </a:p>
-          <a:p>
-            <a:pPr algn="l">
-              <a:lnSpc>
-                <a:spcPct val="100000"/>
-              </a:lnSpc>
-              <a:spcBef>
-                <a:spcPts val="0"/>
-              </a:spcBef>
-            </a:pPr>
-            <a:r>
-              <a:rPr lang="en-GB" sz="1800" dirty="0" err="1">
-                <a:latin typeface="Consolas" panose="020B0609020204030204" pitchFamily="49" charset="0"/>
-              </a:rPr>
-              <a:t>iptables</a:t>
-            </a:r>
-            <a:r>
-              <a:rPr lang="en-GB" sz="1800" dirty="0">
-                <a:latin typeface="Consolas" panose="020B0609020204030204" pitchFamily="49" charset="0"/>
-              </a:rPr>
-              <a:t> -A</a:t>
-            </a:r>
-          </a:p>
-          <a:p>
-            <a:pPr algn="l">
-              <a:lnSpc>
-                <a:spcPct val="100000"/>
-              </a:lnSpc>
-              <a:spcBef>
-                <a:spcPts val="0"/>
-              </a:spcBef>
-            </a:pPr>
-            <a:r>
-              <a:rPr lang="en-GB" sz="1800" dirty="0" err="1">
-                <a:latin typeface="Consolas" panose="020B0609020204030204" pitchFamily="49" charset="0"/>
-              </a:rPr>
-              <a:t>iptables</a:t>
-            </a:r>
-            <a:r>
-              <a:rPr lang="en-GB" sz="1800" dirty="0">
-                <a:latin typeface="Consolas" panose="020B0609020204030204" pitchFamily="49" charset="0"/>
-              </a:rPr>
-              <a:t> -D</a:t>
-            </a:r>
+              <a:rPr lang="en-GB" sz="1800" dirty="0">
+                <a:latin typeface="Consolas" panose="020B0609020204030204" pitchFamily="49" charset="0"/>
+              </a:rPr>
+              <a:t>key-direction 0</a:t>
+            </a:r>
+          </a:p>
+          <a:p>
+            <a:pPr algn="l">
+              <a:lnSpc>
+                <a:spcPct val="100000"/>
+              </a:lnSpc>
+              <a:spcBef>
+                <a:spcPts val="0"/>
+              </a:spcBef>
+            </a:pPr>
+            <a:endParaRPr lang="en-GB" sz="1800" dirty="0">
+              <a:latin typeface="Consolas" panose="020B0609020204030204" pitchFamily="49" charset="0"/>
+            </a:endParaRPr>
+          </a:p>
+          <a:p>
+            <a:pPr algn="l">
+              <a:lnSpc>
+                <a:spcPct val="100000"/>
+              </a:lnSpc>
+              <a:spcBef>
+                <a:spcPts val="0"/>
+              </a:spcBef>
+            </a:pPr>
+            <a:r>
+              <a:rPr lang="en-GB" sz="1800" dirty="0">
+                <a:latin typeface="Consolas" panose="020B0609020204030204" pitchFamily="49" charset="0"/>
+              </a:rPr>
+              <a:t>client-</a:t>
+            </a:r>
+            <a:r>
+              <a:rPr lang="en-GB" sz="1800" dirty="0" err="1">
+                <a:latin typeface="Consolas" panose="020B0609020204030204" pitchFamily="49" charset="0"/>
+              </a:rPr>
+              <a:t>config</a:t>
+            </a:r>
+            <a:r>
+              <a:rPr lang="en-GB" sz="1800" dirty="0">
+                <a:latin typeface="Consolas" panose="020B0609020204030204" pitchFamily="49" charset="0"/>
+              </a:rPr>
+              <a:t>-</a:t>
+            </a:r>
+            <a:r>
+              <a:rPr lang="en-GB" sz="1800" dirty="0" err="1">
+                <a:latin typeface="Consolas" panose="020B0609020204030204" pitchFamily="49" charset="0"/>
+              </a:rPr>
+              <a:t>dir</a:t>
+            </a:r>
+            <a:r>
+              <a:rPr lang="en-GB" sz="1800" dirty="0">
+                <a:latin typeface="Consolas" panose="020B0609020204030204" pitchFamily="49" charset="0"/>
+              </a:rPr>
+              <a:t> /</a:t>
+            </a:r>
+            <a:r>
+              <a:rPr lang="en-GB" sz="1800" dirty="0" err="1">
+                <a:latin typeface="Consolas" panose="020B0609020204030204" pitchFamily="49" charset="0"/>
+              </a:rPr>
+              <a:t>etc</a:t>
+            </a:r>
+            <a:r>
+              <a:rPr lang="en-GB" sz="1800" dirty="0">
+                <a:latin typeface="Consolas" panose="020B0609020204030204" pitchFamily="49" charset="0"/>
+              </a:rPr>
+              <a:t>/</a:t>
+            </a:r>
+            <a:r>
+              <a:rPr lang="en-GB" sz="1800" dirty="0" err="1">
+                <a:latin typeface="Consolas" panose="020B0609020204030204" pitchFamily="49" charset="0"/>
+              </a:rPr>
+              <a:t>openvpn</a:t>
+            </a:r>
+            <a:r>
+              <a:rPr lang="en-GB" sz="1800" dirty="0">
+                <a:latin typeface="Consolas" panose="020B0609020204030204" pitchFamily="49" charset="0"/>
+              </a:rPr>
+              <a:t>/</a:t>
+            </a:r>
+            <a:r>
+              <a:rPr lang="en-GB" sz="1800" dirty="0" err="1">
+                <a:latin typeface="Consolas" panose="020B0609020204030204" pitchFamily="49" charset="0"/>
+              </a:rPr>
+              <a:t>vpnserver</a:t>
+            </a:r>
+            <a:r>
+              <a:rPr lang="en-GB" sz="1800" dirty="0">
+                <a:latin typeface="Consolas" panose="020B0609020204030204" pitchFamily="49" charset="0"/>
+              </a:rPr>
+              <a:t>/client-</a:t>
+            </a:r>
+            <a:r>
+              <a:rPr lang="en-GB" sz="1800" dirty="0" err="1">
+                <a:latin typeface="Consolas" panose="020B0609020204030204" pitchFamily="49" charset="0"/>
+              </a:rPr>
+              <a:t>config</a:t>
+            </a:r>
+            <a:r>
+              <a:rPr lang="en-GB" sz="1800" dirty="0">
+                <a:latin typeface="Consolas" panose="020B0609020204030204" pitchFamily="49" charset="0"/>
+              </a:rPr>
+              <a:t>-</a:t>
+            </a:r>
+            <a:r>
+              <a:rPr lang="en-GB" sz="1800" dirty="0" err="1">
+                <a:latin typeface="Consolas" panose="020B0609020204030204" pitchFamily="49" charset="0"/>
+              </a:rPr>
+              <a:t>dir</a:t>
+            </a:r>
+            <a:endParaRPr lang="en-GB" sz="1800" dirty="0">
+              <a:latin typeface="Consolas" panose="020B0609020204030204" pitchFamily="49" charset="0"/>
+            </a:endParaRPr>
+          </a:p>
+          <a:p>
+            <a:pPr algn="l">
+              <a:lnSpc>
+                <a:spcPct val="100000"/>
+              </a:lnSpc>
+              <a:spcBef>
+                <a:spcPts val="0"/>
+              </a:spcBef>
+            </a:pPr>
+            <a:endParaRPr lang="en-GB" sz="1800" dirty="0">
+              <a:latin typeface="Consolas" panose="020B0609020204030204" pitchFamily="49" charset="0"/>
+            </a:endParaRPr>
+          </a:p>
+          <a:p>
+            <a:pPr algn="l">
+              <a:lnSpc>
+                <a:spcPct val="100000"/>
+              </a:lnSpc>
+              <a:spcBef>
+                <a:spcPts val="0"/>
+              </a:spcBef>
+            </a:pPr>
+            <a:r>
+              <a:rPr lang="en-GB" sz="1800" dirty="0">
+                <a:latin typeface="Consolas" panose="020B0609020204030204" pitchFamily="49" charset="0"/>
+              </a:rPr>
+              <a:t>topology subnet</a:t>
+            </a:r>
+          </a:p>
+          <a:p>
+            <a:pPr algn="l">
+              <a:lnSpc>
+                <a:spcPct val="100000"/>
+              </a:lnSpc>
+              <a:spcBef>
+                <a:spcPts val="0"/>
+              </a:spcBef>
+            </a:pPr>
+            <a:r>
+              <a:rPr lang="en-GB" sz="1800" dirty="0">
+                <a:latin typeface="Consolas" panose="020B0609020204030204" pitchFamily="49" charset="0"/>
+              </a:rPr>
+              <a:t>server 169.254.123.0 255.255.255.0</a:t>
+            </a:r>
+          </a:p>
+          <a:p>
+            <a:pPr algn="l">
+              <a:lnSpc>
+                <a:spcPct val="100000"/>
+              </a:lnSpc>
+              <a:spcBef>
+                <a:spcPts val="0"/>
+              </a:spcBef>
+            </a:pPr>
+            <a:r>
+              <a:rPr lang="en-GB" sz="1800" dirty="0">
+                <a:latin typeface="Consolas" panose="020B0609020204030204" pitchFamily="49" charset="0"/>
+              </a:rPr>
+              <a:t>client-to-client</a:t>
+            </a:r>
+          </a:p>
+          <a:p>
+            <a:pPr algn="l">
+              <a:lnSpc>
+                <a:spcPct val="100000"/>
+              </a:lnSpc>
+              <a:spcBef>
+                <a:spcPts val="0"/>
+              </a:spcBef>
+            </a:pPr>
+            <a:r>
+              <a:rPr lang="en-GB" sz="1800" dirty="0">
+                <a:latin typeface="Consolas" panose="020B0609020204030204" pitchFamily="49" charset="0"/>
+              </a:rPr>
+              <a:t>duplicate-</a:t>
+            </a:r>
+            <a:r>
+              <a:rPr lang="en-GB" sz="1800" dirty="0" err="1">
+                <a:latin typeface="Consolas" panose="020B0609020204030204" pitchFamily="49" charset="0"/>
+              </a:rPr>
+              <a:t>cn</a:t>
+            </a:r>
+            <a:endParaRPr lang="en-GB" sz="1800" dirty="0">
+              <a:latin typeface="Consolas" panose="020B0609020204030204" pitchFamily="49" charset="0"/>
+            </a:endParaRPr>
+          </a:p>
+          <a:p>
+            <a:pPr algn="l">
+              <a:lnSpc>
+                <a:spcPct val="100000"/>
+              </a:lnSpc>
+              <a:spcBef>
+                <a:spcPts val="0"/>
+              </a:spcBef>
+            </a:pPr>
+            <a:r>
+              <a:rPr lang="en-GB" sz="1800" dirty="0" err="1">
+                <a:latin typeface="Consolas" panose="020B0609020204030204" pitchFamily="49" charset="0"/>
+              </a:rPr>
+              <a:t>keepalive</a:t>
+            </a:r>
+            <a:r>
+              <a:rPr lang="en-GB" sz="1800" dirty="0">
+                <a:latin typeface="Consolas" panose="020B0609020204030204" pitchFamily="49" charset="0"/>
+              </a:rPr>
+              <a:t> 10 120</a:t>
+            </a:r>
+          </a:p>
+          <a:p>
+            <a:pPr algn="l">
+              <a:lnSpc>
+                <a:spcPct val="100000"/>
+              </a:lnSpc>
+              <a:spcBef>
+                <a:spcPts val="0"/>
+              </a:spcBef>
+            </a:pPr>
+            <a:endParaRPr lang="en-GB" sz="1800" dirty="0">
+              <a:latin typeface="Consolas" panose="020B0609020204030204" pitchFamily="49" charset="0"/>
+            </a:endParaRPr>
+          </a:p>
+          <a:p>
+            <a:pPr algn="l">
+              <a:lnSpc>
+                <a:spcPct val="100000"/>
+              </a:lnSpc>
+              <a:spcBef>
+                <a:spcPts val="0"/>
+              </a:spcBef>
+            </a:pPr>
+            <a:r>
+              <a:rPr lang="en-GB" sz="1800" dirty="0">
+                <a:latin typeface="Consolas" panose="020B0609020204030204" pitchFamily="49" charset="0"/>
+              </a:rPr>
+              <a:t>;cipher BF-CBC        # Blowfish (default)</a:t>
+            </a:r>
+          </a:p>
+          <a:p>
+            <a:pPr algn="l">
+              <a:lnSpc>
+                <a:spcPct val="100000"/>
+              </a:lnSpc>
+              <a:spcBef>
+                <a:spcPts val="0"/>
+              </a:spcBef>
+            </a:pPr>
+            <a:r>
+              <a:rPr lang="en-GB" sz="1800" dirty="0">
+                <a:latin typeface="Consolas" panose="020B0609020204030204" pitchFamily="49" charset="0"/>
+              </a:rPr>
+              <a:t>;cipher AES-128-CBC   # AES</a:t>
+            </a:r>
+          </a:p>
+          <a:p>
+            <a:pPr algn="l">
+              <a:lnSpc>
+                <a:spcPct val="100000"/>
+              </a:lnSpc>
+              <a:spcBef>
+                <a:spcPts val="0"/>
+              </a:spcBef>
+            </a:pPr>
+            <a:r>
+              <a:rPr lang="en-GB" sz="1800" dirty="0">
+                <a:latin typeface="Consolas" panose="020B0609020204030204" pitchFamily="49" charset="0"/>
+              </a:rPr>
+              <a:t>;cipher DES-EDE3-CBC  # Triple-DES</a:t>
+            </a:r>
+          </a:p>
+          <a:p>
+            <a:pPr algn="l">
+              <a:lnSpc>
+                <a:spcPct val="100000"/>
+              </a:lnSpc>
+              <a:spcBef>
+                <a:spcPts val="0"/>
+              </a:spcBef>
+            </a:pPr>
+            <a:endParaRPr lang="en-GB" sz="1800" dirty="0">
+              <a:latin typeface="Consolas" panose="020B0609020204030204" pitchFamily="49" charset="0"/>
+            </a:endParaRPr>
+          </a:p>
+          <a:p>
+            <a:pPr algn="l">
+              <a:lnSpc>
+                <a:spcPct val="100000"/>
+              </a:lnSpc>
+              <a:spcBef>
+                <a:spcPts val="0"/>
+              </a:spcBef>
+            </a:pPr>
+            <a:r>
+              <a:rPr lang="en-GB" sz="1800" dirty="0">
+                <a:latin typeface="Consolas" panose="020B0609020204030204" pitchFamily="49" charset="0"/>
+              </a:rPr>
+              <a:t>comp-</a:t>
+            </a:r>
+            <a:r>
+              <a:rPr lang="en-GB" sz="1800" dirty="0" err="1">
+                <a:latin typeface="Consolas" panose="020B0609020204030204" pitchFamily="49" charset="0"/>
+              </a:rPr>
+              <a:t>lzo</a:t>
+            </a:r>
+            <a:endParaRPr lang="en-GB" sz="1800" dirty="0">
+              <a:latin typeface="Consolas" panose="020B0609020204030204" pitchFamily="49" charset="0"/>
+            </a:endParaRPr>
+          </a:p>
+          <a:p>
+            <a:pPr algn="l">
+              <a:lnSpc>
+                <a:spcPct val="100000"/>
+              </a:lnSpc>
+              <a:spcBef>
+                <a:spcPts val="0"/>
+              </a:spcBef>
+            </a:pPr>
+            <a:endParaRPr lang="en-GB" sz="1800" dirty="0">
+              <a:latin typeface="Consolas" panose="020B0609020204030204" pitchFamily="49" charset="0"/>
+            </a:endParaRPr>
+          </a:p>
+          <a:p>
+            <a:pPr algn="l">
+              <a:lnSpc>
+                <a:spcPct val="100000"/>
+              </a:lnSpc>
+              <a:spcBef>
+                <a:spcPts val="0"/>
+              </a:spcBef>
+            </a:pPr>
+            <a:r>
+              <a:rPr lang="en-GB" sz="1800" dirty="0">
+                <a:latin typeface="Consolas" panose="020B0609020204030204" pitchFamily="49" charset="0"/>
+              </a:rPr>
+              <a:t>max-clients 10</a:t>
+            </a:r>
+          </a:p>
+          <a:p>
+            <a:pPr algn="l">
+              <a:lnSpc>
+                <a:spcPct val="100000"/>
+              </a:lnSpc>
+              <a:spcBef>
+                <a:spcPts val="0"/>
+              </a:spcBef>
+            </a:pPr>
+            <a:endParaRPr lang="en-GB" sz="1800" dirty="0">
+              <a:latin typeface="Consolas" panose="020B0609020204030204" pitchFamily="49" charset="0"/>
+            </a:endParaRPr>
+          </a:p>
+          <a:p>
+            <a:pPr algn="l">
+              <a:lnSpc>
+                <a:spcPct val="100000"/>
+              </a:lnSpc>
+              <a:spcBef>
+                <a:spcPts val="0"/>
+              </a:spcBef>
+            </a:pPr>
+            <a:r>
+              <a:rPr lang="en-GB" sz="1800" dirty="0">
+                <a:latin typeface="Consolas" panose="020B0609020204030204" pitchFamily="49" charset="0"/>
+              </a:rPr>
+              <a:t>;user nobody</a:t>
+            </a:r>
+          </a:p>
+          <a:p>
+            <a:pPr algn="l">
+              <a:lnSpc>
+                <a:spcPct val="100000"/>
+              </a:lnSpc>
+              <a:spcBef>
+                <a:spcPts val="0"/>
+              </a:spcBef>
+            </a:pPr>
+            <a:r>
+              <a:rPr lang="en-GB" sz="1800" dirty="0">
+                <a:latin typeface="Consolas" panose="020B0609020204030204" pitchFamily="49" charset="0"/>
+              </a:rPr>
+              <a:t>;group nobody</a:t>
+            </a:r>
+          </a:p>
+          <a:p>
+            <a:pPr algn="l">
+              <a:lnSpc>
+                <a:spcPct val="100000"/>
+              </a:lnSpc>
+              <a:spcBef>
+                <a:spcPts val="0"/>
+              </a:spcBef>
+            </a:pPr>
+            <a:endParaRPr lang="en-GB" sz="1800" dirty="0">
+              <a:latin typeface="Consolas" panose="020B0609020204030204" pitchFamily="49" charset="0"/>
+            </a:endParaRPr>
+          </a:p>
+          <a:p>
+            <a:pPr algn="l">
+              <a:lnSpc>
+                <a:spcPct val="100000"/>
+              </a:lnSpc>
+              <a:spcBef>
+                <a:spcPts val="0"/>
+              </a:spcBef>
+            </a:pPr>
+            <a:r>
+              <a:rPr lang="en-GB" sz="1800" dirty="0">
+                <a:latin typeface="Consolas" panose="020B0609020204030204" pitchFamily="49" charset="0"/>
+              </a:rPr>
+              <a:t>persist-key</a:t>
+            </a:r>
+          </a:p>
+          <a:p>
+            <a:pPr algn="l">
+              <a:lnSpc>
+                <a:spcPct val="100000"/>
+              </a:lnSpc>
+              <a:spcBef>
+                <a:spcPts val="0"/>
+              </a:spcBef>
+            </a:pPr>
+            <a:r>
+              <a:rPr lang="en-GB" sz="1800" dirty="0">
+                <a:latin typeface="Consolas" panose="020B0609020204030204" pitchFamily="49" charset="0"/>
+              </a:rPr>
+              <a:t>persist-</a:t>
+            </a:r>
+            <a:r>
+              <a:rPr lang="en-GB" sz="1800" dirty="0" err="1">
+                <a:latin typeface="Consolas" panose="020B0609020204030204" pitchFamily="49" charset="0"/>
+              </a:rPr>
+              <a:t>tun</a:t>
+            </a:r>
+            <a:endParaRPr lang="en-GB" sz="1800" dirty="0">
+              <a:latin typeface="Consolas" panose="020B0609020204030204" pitchFamily="49" charset="0"/>
+            </a:endParaRPr>
+          </a:p>
+          <a:p>
+            <a:pPr algn="l">
+              <a:lnSpc>
+                <a:spcPct val="100000"/>
+              </a:lnSpc>
+              <a:spcBef>
+                <a:spcPts val="0"/>
+              </a:spcBef>
+            </a:pPr>
+            <a:endParaRPr lang="en-GB" sz="1800" dirty="0">
+              <a:latin typeface="Consolas" panose="020B0609020204030204" pitchFamily="49" charset="0"/>
+            </a:endParaRPr>
+          </a:p>
+          <a:p>
+            <a:pPr algn="l">
+              <a:lnSpc>
+                <a:spcPct val="100000"/>
+              </a:lnSpc>
+              <a:spcBef>
+                <a:spcPts val="0"/>
+              </a:spcBef>
+            </a:pPr>
+            <a:r>
+              <a:rPr lang="en-GB" sz="1800" dirty="0">
+                <a:latin typeface="Consolas" panose="020B0609020204030204" pitchFamily="49" charset="0"/>
+              </a:rPr>
+              <a:t>status /</a:t>
+            </a:r>
+            <a:r>
+              <a:rPr lang="en-GB" sz="1800" dirty="0" err="1">
+                <a:latin typeface="Consolas" panose="020B0609020204030204" pitchFamily="49" charset="0"/>
+              </a:rPr>
+              <a:t>etc</a:t>
+            </a:r>
+            <a:r>
+              <a:rPr lang="en-GB" sz="1800" dirty="0">
+                <a:latin typeface="Consolas" panose="020B0609020204030204" pitchFamily="49" charset="0"/>
+              </a:rPr>
+              <a:t>/</a:t>
+            </a:r>
+            <a:r>
+              <a:rPr lang="en-GB" sz="1800" dirty="0" err="1">
+                <a:latin typeface="Consolas" panose="020B0609020204030204" pitchFamily="49" charset="0"/>
+              </a:rPr>
+              <a:t>openvpn</a:t>
+            </a:r>
+            <a:r>
+              <a:rPr lang="en-GB" sz="1800" dirty="0">
+                <a:latin typeface="Consolas" panose="020B0609020204030204" pitchFamily="49" charset="0"/>
+              </a:rPr>
+              <a:t>/</a:t>
+            </a:r>
+            <a:r>
+              <a:rPr lang="en-GB" sz="1800" dirty="0" err="1">
+                <a:latin typeface="Consolas" panose="020B0609020204030204" pitchFamily="49" charset="0"/>
+              </a:rPr>
+              <a:t>vpnserver</a:t>
+            </a:r>
+            <a:r>
+              <a:rPr lang="en-GB" sz="1800" dirty="0">
+                <a:latin typeface="Consolas" panose="020B0609020204030204" pitchFamily="49" charset="0"/>
+              </a:rPr>
+              <a:t>/logs/status.log</a:t>
+            </a:r>
+          </a:p>
+          <a:p>
+            <a:pPr algn="l">
+              <a:lnSpc>
+                <a:spcPct val="100000"/>
+              </a:lnSpc>
+              <a:spcBef>
+                <a:spcPts val="0"/>
+              </a:spcBef>
+            </a:pPr>
+            <a:endParaRPr lang="en-GB" sz="1800" dirty="0">
+              <a:latin typeface="Consolas" panose="020B0609020204030204" pitchFamily="49" charset="0"/>
+            </a:endParaRPr>
+          </a:p>
+          <a:p>
+            <a:pPr algn="l">
+              <a:lnSpc>
+                <a:spcPct val="100000"/>
+              </a:lnSpc>
+              <a:spcBef>
+                <a:spcPts val="0"/>
+              </a:spcBef>
+            </a:pPr>
+            <a:r>
+              <a:rPr lang="en-GB" sz="1800" dirty="0">
+                <a:latin typeface="Consolas" panose="020B0609020204030204" pitchFamily="49" charset="0"/>
+              </a:rPr>
+              <a:t>;log         /</a:t>
+            </a:r>
+            <a:r>
+              <a:rPr lang="en-GB" sz="1800" dirty="0" err="1">
+                <a:latin typeface="Consolas" panose="020B0609020204030204" pitchFamily="49" charset="0"/>
+              </a:rPr>
+              <a:t>etc</a:t>
+            </a:r>
+            <a:r>
+              <a:rPr lang="en-GB" sz="1800" dirty="0">
+                <a:latin typeface="Consolas" panose="020B0609020204030204" pitchFamily="49" charset="0"/>
+              </a:rPr>
+              <a:t>/</a:t>
+            </a:r>
+            <a:r>
+              <a:rPr lang="en-GB" sz="1800" dirty="0" err="1">
+                <a:latin typeface="Consolas" panose="020B0609020204030204" pitchFamily="49" charset="0"/>
+              </a:rPr>
+              <a:t>openvpn</a:t>
+            </a:r>
+            <a:r>
+              <a:rPr lang="en-GB" sz="1800" dirty="0">
+                <a:latin typeface="Consolas" panose="020B0609020204030204" pitchFamily="49" charset="0"/>
+              </a:rPr>
+              <a:t>/</a:t>
+            </a:r>
+            <a:r>
+              <a:rPr lang="en-GB" sz="1800" dirty="0" err="1">
+                <a:latin typeface="Consolas" panose="020B0609020204030204" pitchFamily="49" charset="0"/>
+              </a:rPr>
+              <a:t>vpnserver</a:t>
+            </a:r>
+            <a:r>
+              <a:rPr lang="en-GB" sz="1800" dirty="0">
+                <a:latin typeface="Consolas" panose="020B0609020204030204" pitchFamily="49" charset="0"/>
+              </a:rPr>
+              <a:t>/logs/openvpn.log</a:t>
+            </a:r>
+          </a:p>
+          <a:p>
+            <a:pPr algn="l">
+              <a:lnSpc>
+                <a:spcPct val="100000"/>
+              </a:lnSpc>
+              <a:spcBef>
+                <a:spcPts val="0"/>
+              </a:spcBef>
+            </a:pPr>
+            <a:r>
+              <a:rPr lang="en-GB" sz="1800" dirty="0">
+                <a:latin typeface="Consolas" panose="020B0609020204030204" pitchFamily="49" charset="0"/>
+              </a:rPr>
+              <a:t>;log-append  openvpn.log</a:t>
+            </a:r>
+          </a:p>
+          <a:p>
+            <a:pPr algn="l">
+              <a:lnSpc>
+                <a:spcPct val="100000"/>
+              </a:lnSpc>
+              <a:spcBef>
+                <a:spcPts val="0"/>
+              </a:spcBef>
+            </a:pPr>
+            <a:endParaRPr lang="en-GB" sz="1800" dirty="0">
+              <a:latin typeface="Consolas" panose="020B0609020204030204" pitchFamily="49" charset="0"/>
+            </a:endParaRPr>
+          </a:p>
+          <a:p>
+            <a:pPr algn="l">
+              <a:lnSpc>
+                <a:spcPct val="100000"/>
+              </a:lnSpc>
+              <a:spcBef>
+                <a:spcPts val="0"/>
+              </a:spcBef>
+            </a:pPr>
+            <a:r>
+              <a:rPr lang="en-GB" sz="1800" dirty="0">
+                <a:latin typeface="Consolas" panose="020B0609020204030204" pitchFamily="49" charset="0"/>
+              </a:rPr>
+              <a:t>verb 3</a:t>
+            </a:r>
+          </a:p>
+          <a:p>
+            <a:pPr algn="l">
+              <a:lnSpc>
+                <a:spcPct val="100000"/>
+              </a:lnSpc>
+              <a:spcBef>
+                <a:spcPts val="0"/>
+              </a:spcBef>
+            </a:pPr>
+            <a:endParaRPr lang="en-GB" sz="1800" dirty="0">
+              <a:latin typeface="Consolas" panose="020B0609020204030204" pitchFamily="49" charset="0"/>
+            </a:endParaRPr>
+          </a:p>
+          <a:p>
+            <a:pPr algn="l">
+              <a:lnSpc>
+                <a:spcPct val="100000"/>
+              </a:lnSpc>
+              <a:spcBef>
+                <a:spcPts val="0"/>
+              </a:spcBef>
+            </a:pPr>
+            <a:r>
+              <a:rPr lang="en-GB" sz="1800" dirty="0">
+                <a:latin typeface="Consolas" panose="020B0609020204030204" pitchFamily="49" charset="0"/>
+              </a:rPr>
+              <a:t>;mute 20</a:t>
+            </a:r>
+          </a:p>
+          <a:p>
+            <a:pPr algn="l">
+              <a:lnSpc>
+                <a:spcPct val="100000"/>
+              </a:lnSpc>
+              <a:spcBef>
+                <a:spcPts val="0"/>
+              </a:spcBef>
+            </a:pPr>
+            <a:endParaRPr lang="en-GB" sz="1800" dirty="0">
+              <a:latin typeface="Consolas" panose="020B0609020204030204" pitchFamily="49" charset="0"/>
+            </a:endParaRPr>
+          </a:p>
+          <a:p>
+            <a:pPr algn="l">
+              <a:lnSpc>
+                <a:spcPct val="100000"/>
+              </a:lnSpc>
+              <a:spcBef>
+                <a:spcPts val="0"/>
+              </a:spcBef>
+            </a:pPr>
+            <a:endParaRPr lang="en-GB" sz="1800" dirty="0">
+              <a:latin typeface="Consolas" panose="020B0609020204030204" pitchFamily="49" charset="0"/>
+            </a:endParaRPr>
+          </a:p>
+          <a:p>
+            <a:pPr algn="l">
+              <a:lnSpc>
+                <a:spcPct val="100000"/>
+              </a:lnSpc>
+              <a:spcBef>
+                <a:spcPts val="0"/>
+              </a:spcBef>
+            </a:pPr>
+            <a:r>
+              <a:rPr lang="en-GB" sz="1800" dirty="0">
+                <a:latin typeface="Consolas" panose="020B0609020204030204" pitchFamily="49" charset="0"/>
+              </a:rPr>
+              <a:t>&lt;ca&gt;</a:t>
+            </a:r>
+          </a:p>
+          <a:p>
+            <a:pPr algn="l">
+              <a:lnSpc>
+                <a:spcPct val="100000"/>
+              </a:lnSpc>
+              <a:spcBef>
+                <a:spcPts val="0"/>
+              </a:spcBef>
+            </a:pPr>
+            <a:r>
+              <a:rPr lang="en-GB" sz="1800" dirty="0">
+                <a:latin typeface="Consolas" panose="020B0609020204030204" pitchFamily="49" charset="0"/>
+              </a:rPr>
+              <a:t># INSERT ROOT CERT HERE</a:t>
+            </a:r>
+          </a:p>
+          <a:p>
+            <a:pPr algn="l">
+              <a:lnSpc>
+                <a:spcPct val="100000"/>
+              </a:lnSpc>
+              <a:spcBef>
+                <a:spcPts val="0"/>
+              </a:spcBef>
+            </a:pPr>
+            <a:r>
+              <a:rPr lang="en-GB" sz="1800" dirty="0">
+                <a:latin typeface="Consolas" panose="020B0609020204030204" pitchFamily="49" charset="0"/>
+              </a:rPr>
+              <a:t>&lt;/ca&gt;</a:t>
+            </a:r>
+          </a:p>
+          <a:p>
+            <a:pPr algn="l">
+              <a:lnSpc>
+                <a:spcPct val="100000"/>
+              </a:lnSpc>
+              <a:spcBef>
+                <a:spcPts val="0"/>
+              </a:spcBef>
+            </a:pPr>
+            <a:endParaRPr lang="en-GB" sz="1800" dirty="0">
+              <a:latin typeface="Consolas" panose="020B0609020204030204" pitchFamily="49" charset="0"/>
+            </a:endParaRPr>
+          </a:p>
+          <a:p>
+            <a:pPr algn="l">
+              <a:lnSpc>
+                <a:spcPct val="100000"/>
+              </a:lnSpc>
+              <a:spcBef>
+                <a:spcPts val="0"/>
+              </a:spcBef>
+            </a:pPr>
+            <a:r>
+              <a:rPr lang="en-GB" sz="1800" dirty="0">
+                <a:latin typeface="Consolas" panose="020B0609020204030204" pitchFamily="49" charset="0"/>
+              </a:rPr>
+              <a:t>&lt;cert&gt;</a:t>
+            </a:r>
+          </a:p>
+          <a:p>
+            <a:pPr algn="l">
+              <a:lnSpc>
+                <a:spcPct val="100000"/>
+              </a:lnSpc>
+              <a:spcBef>
+                <a:spcPts val="0"/>
+              </a:spcBef>
+            </a:pPr>
+            <a:r>
+              <a:rPr lang="en-GB" sz="1800" dirty="0">
+                <a:latin typeface="Consolas" panose="020B0609020204030204" pitchFamily="49" charset="0"/>
+              </a:rPr>
+              <a:t># INSERT VPNSERVER CERT HERE</a:t>
+            </a:r>
+          </a:p>
+          <a:p>
+            <a:pPr algn="l">
+              <a:lnSpc>
+                <a:spcPct val="100000"/>
+              </a:lnSpc>
+              <a:spcBef>
+                <a:spcPts val="0"/>
+              </a:spcBef>
+            </a:pPr>
+            <a:r>
+              <a:rPr lang="en-GB" sz="1800" dirty="0">
+                <a:latin typeface="Consolas" panose="020B0609020204030204" pitchFamily="49" charset="0"/>
+              </a:rPr>
+              <a:t>&lt;/cert&gt;</a:t>
+            </a:r>
+          </a:p>
+          <a:p>
+            <a:pPr algn="l">
+              <a:lnSpc>
+                <a:spcPct val="100000"/>
+              </a:lnSpc>
+              <a:spcBef>
+                <a:spcPts val="0"/>
+              </a:spcBef>
+            </a:pPr>
+            <a:endParaRPr lang="en-GB" sz="1800" dirty="0">
+              <a:latin typeface="Consolas" panose="020B0609020204030204" pitchFamily="49" charset="0"/>
+            </a:endParaRPr>
+          </a:p>
+          <a:p>
+            <a:pPr algn="l">
+              <a:lnSpc>
+                <a:spcPct val="100000"/>
+              </a:lnSpc>
+              <a:spcBef>
+                <a:spcPts val="0"/>
+              </a:spcBef>
+            </a:pPr>
+            <a:r>
+              <a:rPr lang="en-GB" sz="1800" dirty="0">
+                <a:latin typeface="Consolas" panose="020B0609020204030204" pitchFamily="49" charset="0"/>
+              </a:rPr>
+              <a:t>&lt;key&gt;</a:t>
+            </a:r>
+          </a:p>
+          <a:p>
+            <a:pPr algn="l">
+              <a:lnSpc>
+                <a:spcPct val="100000"/>
+              </a:lnSpc>
+              <a:spcBef>
+                <a:spcPts val="0"/>
+              </a:spcBef>
+            </a:pPr>
+            <a:r>
+              <a:rPr lang="en-GB" sz="1800" dirty="0">
+                <a:latin typeface="Consolas" panose="020B0609020204030204" pitchFamily="49" charset="0"/>
+              </a:rPr>
+              <a:t># INSERT VPNSERVER KEY HERE</a:t>
+            </a:r>
+          </a:p>
+          <a:p>
+            <a:pPr algn="l">
+              <a:lnSpc>
+                <a:spcPct val="100000"/>
+              </a:lnSpc>
+              <a:spcBef>
+                <a:spcPts val="0"/>
+              </a:spcBef>
+            </a:pPr>
+            <a:r>
+              <a:rPr lang="en-GB" sz="1800" dirty="0">
+                <a:latin typeface="Consolas" panose="020B0609020204030204" pitchFamily="49" charset="0"/>
+              </a:rPr>
+              <a:t>&lt;/key&gt;</a:t>
+            </a:r>
+          </a:p>
+          <a:p>
+            <a:pPr algn="l">
+              <a:lnSpc>
+                <a:spcPct val="100000"/>
+              </a:lnSpc>
+              <a:spcBef>
+                <a:spcPts val="0"/>
+              </a:spcBef>
+            </a:pPr>
+            <a:endParaRPr lang="en-GB" sz="1800" dirty="0">
+              <a:latin typeface="Consolas" panose="020B0609020204030204" pitchFamily="49" charset="0"/>
+            </a:endParaRPr>
+          </a:p>
+          <a:p>
+            <a:pPr algn="l">
+              <a:lnSpc>
+                <a:spcPct val="100000"/>
+              </a:lnSpc>
+              <a:spcBef>
+                <a:spcPts val="0"/>
+              </a:spcBef>
+            </a:pPr>
+            <a:r>
+              <a:rPr lang="en-GB" sz="1800" dirty="0">
+                <a:latin typeface="Consolas" panose="020B0609020204030204" pitchFamily="49" charset="0"/>
+              </a:rPr>
+              <a:t>&lt;dh&gt;</a:t>
+            </a:r>
+          </a:p>
+          <a:p>
+            <a:pPr algn="l">
+              <a:lnSpc>
+                <a:spcPct val="100000"/>
+              </a:lnSpc>
+              <a:spcBef>
+                <a:spcPts val="0"/>
+              </a:spcBef>
+            </a:pPr>
+            <a:r>
+              <a:rPr lang="en-GB" sz="1800" dirty="0">
+                <a:latin typeface="Consolas" panose="020B0609020204030204" pitchFamily="49" charset="0"/>
+              </a:rPr>
+              <a:t># INSERT DH2048PEM KEY HERE</a:t>
+            </a:r>
+          </a:p>
+          <a:p>
+            <a:pPr algn="l">
+              <a:lnSpc>
+                <a:spcPct val="100000"/>
+              </a:lnSpc>
+              <a:spcBef>
+                <a:spcPts val="0"/>
+              </a:spcBef>
+            </a:pPr>
+            <a:r>
+              <a:rPr lang="en-GB" sz="1800" dirty="0">
+                <a:latin typeface="Consolas" panose="020B0609020204030204" pitchFamily="49" charset="0"/>
+              </a:rPr>
+              <a:t>&lt;/dh&gt;</a:t>
+            </a:r>
+          </a:p>
+          <a:p>
+            <a:pPr algn="l">
+              <a:lnSpc>
+                <a:spcPct val="100000"/>
+              </a:lnSpc>
+              <a:spcBef>
+                <a:spcPts val="0"/>
+              </a:spcBef>
+            </a:pPr>
+            <a:endParaRPr lang="en-GB" sz="1800" dirty="0">
+              <a:latin typeface="Consolas" panose="020B0609020204030204" pitchFamily="49" charset="0"/>
+            </a:endParaRPr>
+          </a:p>
+          <a:p>
+            <a:pPr algn="l">
+              <a:lnSpc>
+                <a:spcPct val="100000"/>
+              </a:lnSpc>
+              <a:spcBef>
+                <a:spcPts val="0"/>
+              </a:spcBef>
+            </a:pPr>
+            <a:r>
+              <a:rPr lang="en-GB" sz="1800" dirty="0">
+                <a:latin typeface="Consolas" panose="020B0609020204030204" pitchFamily="49" charset="0"/>
+              </a:rPr>
+              <a:t>&lt;</a:t>
+            </a:r>
+            <a:r>
+              <a:rPr lang="en-GB" sz="1800" dirty="0" err="1">
+                <a:latin typeface="Consolas" panose="020B0609020204030204" pitchFamily="49" charset="0"/>
+              </a:rPr>
+              <a:t>tls-auth</a:t>
+            </a:r>
+            <a:r>
+              <a:rPr lang="en-GB" sz="1800" dirty="0">
+                <a:latin typeface="Consolas" panose="020B0609020204030204" pitchFamily="49" charset="0"/>
+              </a:rPr>
+              <a:t>&gt;</a:t>
+            </a:r>
+          </a:p>
+          <a:p>
+            <a:pPr algn="l">
+              <a:lnSpc>
+                <a:spcPct val="100000"/>
+              </a:lnSpc>
+              <a:spcBef>
+                <a:spcPts val="0"/>
+              </a:spcBef>
+            </a:pPr>
+            <a:r>
+              <a:rPr lang="en-GB" sz="1800" dirty="0">
+                <a:latin typeface="Consolas" panose="020B0609020204030204" pitchFamily="49" charset="0"/>
+              </a:rPr>
+              <a:t># INSERT OPENVPN TA.KEY HERE</a:t>
+            </a:r>
+          </a:p>
+          <a:p>
+            <a:pPr algn="l">
+              <a:lnSpc>
+                <a:spcPct val="100000"/>
+              </a:lnSpc>
+              <a:spcBef>
+                <a:spcPts val="0"/>
+              </a:spcBef>
+            </a:pPr>
+            <a:r>
+              <a:rPr lang="en-GB" sz="1800" dirty="0">
+                <a:latin typeface="Consolas" panose="020B0609020204030204" pitchFamily="49" charset="0"/>
+              </a:rPr>
+              <a:t>&lt;/</a:t>
+            </a:r>
+            <a:r>
+              <a:rPr lang="en-GB" sz="1800" dirty="0" err="1">
+                <a:latin typeface="Consolas" panose="020B0609020204030204" pitchFamily="49" charset="0"/>
+              </a:rPr>
+              <a:t>tls-auth</a:t>
+            </a:r>
+            <a:r>
+              <a:rPr lang="en-GB" sz="1800" dirty="0">
+                <a:latin typeface="Consolas" panose="020B0609020204030204" pitchFamily="49" charset="0"/>
+              </a:rPr>
+              <a:t>&gt;</a:t>
+            </a:r>
+          </a:p>
+          <a:p>
+            <a:pPr algn="l">
+              <a:lnSpc>
+                <a:spcPct val="100000"/>
+              </a:lnSpc>
+              <a:spcBef>
+                <a:spcPts val="0"/>
+              </a:spcBef>
+            </a:pPr>
+            <a:endParaRPr lang="en-GB" sz="1800" dirty="0">
+              <a:latin typeface="Consolas" panose="020B0609020204030204" pitchFamily="49" charset="0"/>
+            </a:endParaRPr>
           </a:p>
         </p:txBody>
       </p:sp>
     </p:spTree>
     <p:extLst>
       <p:ext uri="{BB962C8B-B14F-4D97-AF65-F5344CB8AC3E}">
-        <p14:creationId xmlns:p14="http://schemas.microsoft.com/office/powerpoint/2010/main" val="2528354797"/>
+        <p14:creationId xmlns:p14="http://schemas.microsoft.com/office/powerpoint/2010/main" val="4167136618"/>
       </p:ext>
     </p:extLst>
   </p:cSld>
@@ -6000,8 +8703,13 @@
           <a:p>
             <a:r>
               <a:rPr lang="en-GB" dirty="0"/>
-              <a:t>IPTABLES</a:t>
-            </a:r>
+              <a:t>Example client </a:t>
+            </a:r>
+            <a:r>
+              <a:rPr lang="en-GB" dirty="0" err="1"/>
+              <a:t>config</a:t>
+            </a:r>
+            <a:endParaRPr lang="en-GB" dirty="0"/>
           </a:p>
         </p:txBody>
       </p:sp>
@@ -6023,7 +8731,7 @@
         </p:spPr>
         <p:txBody>
           <a:bodyPr>
-            <a:normAutofit/>
+            <a:normAutofit fontScale="55000" lnSpcReduction="20000"/>
           </a:bodyPr>
           <a:lstStyle/>
           <a:p>
@@ -6039,18 +8747,30 @@
               <a:rPr lang="en-GB" sz="1800" dirty="0">
                 <a:latin typeface="Consolas" panose="020B0609020204030204" pitchFamily="49" charset="0"/>
               </a:rPr>
-              <a:t>### TASK ###</a:t>
-            </a:r>
-          </a:p>
-          <a:p>
-            <a:pPr algn="l">
-              <a:lnSpc>
-                <a:spcPct val="100000"/>
-              </a:lnSpc>
-              <a:spcBef>
-                <a:spcPts val="0"/>
-              </a:spcBef>
-            </a:pPr>
+              <a:t>client</a:t>
+            </a:r>
+          </a:p>
+          <a:p>
+            <a:pPr algn="l">
+              <a:lnSpc>
+                <a:spcPct val="100000"/>
+              </a:lnSpc>
+              <a:spcBef>
+                <a:spcPts val="0"/>
+              </a:spcBef>
+            </a:pPr>
+            <a:r>
+              <a:rPr lang="en-GB" sz="1800" dirty="0">
+                <a:latin typeface="Consolas" panose="020B0609020204030204" pitchFamily="49" charset="0"/>
+              </a:rPr>
+              <a:t>dev </a:t>
+            </a:r>
+            <a:r>
+              <a:rPr lang="en-GB" sz="1800" dirty="0" err="1">
+                <a:latin typeface="Consolas" panose="020B0609020204030204" pitchFamily="49" charset="0"/>
+              </a:rPr>
+              <a:t>tun</a:t>
+            </a:r>
             <a:endParaRPr lang="en-GB" sz="1800" dirty="0">
               <a:latin typeface="Consolas" panose="020B0609020204030204" pitchFamily="49" charset="0"/>
             </a:endParaRPr>
@@ -6068,66 +8788,14 @@
               <a:rPr lang="en-GB" sz="1800" dirty="0">
                 <a:latin typeface="Consolas" panose="020B0609020204030204" pitchFamily="49" charset="0"/>
               </a:rPr>
-              <a:t># Allow all replies</a:t>
-            </a:r>
-          </a:p>
-          <a:p>
-            <a:pPr algn="l">
-              <a:lnSpc>
-                <a:spcPct val="100000"/>
-              </a:lnSpc>
-              <a:spcBef>
-                <a:spcPts val="0"/>
-              </a:spcBef>
-            </a:pPr>
-            <a:r>
-              <a:rPr lang="en-GB" sz="1800" dirty="0">
-                <a:latin typeface="Consolas" panose="020B0609020204030204" pitchFamily="49" charset="0"/>
-              </a:rPr>
-              <a:t># Allow localhost device all</a:t>
-            </a:r>
-          </a:p>
-          <a:p>
-            <a:pPr algn="l">
-              <a:lnSpc>
-                <a:spcPct val="100000"/>
-              </a:lnSpc>
-              <a:spcBef>
-                <a:spcPts val="0"/>
-              </a:spcBef>
-            </a:pPr>
-            <a:r>
-              <a:rPr lang="en-GB" sz="1800" dirty="0">
-                <a:latin typeface="Consolas" panose="020B0609020204030204" pitchFamily="49" charset="0"/>
-              </a:rPr>
-              <a:t># Allow SSH, state new</a:t>
-            </a:r>
-          </a:p>
-          <a:p>
-            <a:pPr algn="l">
-              <a:lnSpc>
-                <a:spcPct val="100000"/>
-              </a:lnSpc>
-              <a:spcBef>
-                <a:spcPts val="0"/>
-              </a:spcBef>
-            </a:pPr>
-            <a:r>
-              <a:rPr lang="en-GB" sz="1800" dirty="0">
-                <a:latin typeface="Consolas" panose="020B0609020204030204" pitchFamily="49" charset="0"/>
-              </a:rPr>
-              <a:t># Allow HTTP HTTPS multiport, state new</a:t>
-            </a:r>
-          </a:p>
-          <a:p>
-            <a:pPr algn="l">
-              <a:lnSpc>
-                <a:spcPct val="100000"/>
-              </a:lnSpc>
-              <a:spcBef>
-                <a:spcPts val="0"/>
-              </a:spcBef>
-            </a:pPr>
+              <a:t>proto </a:t>
+            </a:r>
+            <a:r>
+              <a:rPr lang="en-GB" sz="1800" dirty="0" err="1">
+                <a:latin typeface="Consolas" panose="020B0609020204030204" pitchFamily="49" charset="0"/>
+              </a:rPr>
+              <a:t>udp</a:t>
+            </a:r>
             <a:endParaRPr lang="en-GB" sz="1800" dirty="0">
               <a:latin typeface="Consolas" panose="020B0609020204030204" pitchFamily="49" charset="0"/>
             </a:endParaRPr>
@@ -6158,15 +8826,614 @@
               <a:rPr lang="en-GB" sz="1800" dirty="0">
                 <a:latin typeface="Consolas" panose="020B0609020204030204" pitchFamily="49" charset="0"/>
               </a:rPr>
-              <a:t>Useful app: Fail2Ban</a:t>
-            </a:r>
+              <a:t>remote 10.1.20.135 1194</a:t>
+            </a:r>
+          </a:p>
+          <a:p>
+            <a:pPr algn="l">
+              <a:lnSpc>
+                <a:spcPct val="100000"/>
+              </a:lnSpc>
+              <a:spcBef>
+                <a:spcPts val="0"/>
+              </a:spcBef>
+            </a:pPr>
+            <a:r>
+              <a:rPr lang="en-GB" sz="1800" dirty="0">
+                <a:latin typeface="Consolas" panose="020B0609020204030204" pitchFamily="49" charset="0"/>
+              </a:rPr>
+              <a:t>;remote-random</a:t>
+            </a:r>
+          </a:p>
+          <a:p>
+            <a:pPr algn="l">
+              <a:lnSpc>
+                <a:spcPct val="100000"/>
+              </a:lnSpc>
+              <a:spcBef>
+                <a:spcPts val="0"/>
+              </a:spcBef>
+            </a:pPr>
+            <a:r>
+              <a:rPr lang="en-GB" sz="1800" dirty="0" err="1">
+                <a:latin typeface="Consolas" panose="020B0609020204030204" pitchFamily="49" charset="0"/>
+              </a:rPr>
+              <a:t>resolv</a:t>
+            </a:r>
+            <a:r>
+              <a:rPr lang="en-GB" sz="1800" dirty="0">
+                <a:latin typeface="Consolas" panose="020B0609020204030204" pitchFamily="49" charset="0"/>
+              </a:rPr>
+              <a:t>-retry infinite</a:t>
+            </a:r>
+          </a:p>
+          <a:p>
+            <a:pPr algn="l">
+              <a:lnSpc>
+                <a:spcPct val="100000"/>
+              </a:lnSpc>
+              <a:spcBef>
+                <a:spcPts val="0"/>
+              </a:spcBef>
+            </a:pPr>
+            <a:r>
+              <a:rPr lang="en-GB" sz="1800" dirty="0" err="1">
+                <a:latin typeface="Consolas" panose="020B0609020204030204" pitchFamily="49" charset="0"/>
+              </a:rPr>
+              <a:t>nobind</a:t>
+            </a:r>
+            <a:endParaRPr lang="en-GB" sz="1800" dirty="0">
+              <a:latin typeface="Consolas" panose="020B0609020204030204" pitchFamily="49" charset="0"/>
+            </a:endParaRPr>
+          </a:p>
+          <a:p>
+            <a:pPr algn="l">
+              <a:lnSpc>
+                <a:spcPct val="100000"/>
+              </a:lnSpc>
+              <a:spcBef>
+                <a:spcPts val="0"/>
+              </a:spcBef>
+            </a:pPr>
+            <a:r>
+              <a:rPr lang="en-GB" sz="1800" dirty="0">
+                <a:latin typeface="Consolas" panose="020B0609020204030204" pitchFamily="49" charset="0"/>
+              </a:rPr>
+              <a:t>;user nobody</a:t>
+            </a:r>
+          </a:p>
+          <a:p>
+            <a:pPr algn="l">
+              <a:lnSpc>
+                <a:spcPct val="100000"/>
+              </a:lnSpc>
+              <a:spcBef>
+                <a:spcPts val="0"/>
+              </a:spcBef>
+            </a:pPr>
+            <a:r>
+              <a:rPr lang="en-GB" sz="1800" dirty="0">
+                <a:latin typeface="Consolas" panose="020B0609020204030204" pitchFamily="49" charset="0"/>
+              </a:rPr>
+              <a:t>;group nobody</a:t>
+            </a:r>
+          </a:p>
+          <a:p>
+            <a:pPr algn="l">
+              <a:lnSpc>
+                <a:spcPct val="100000"/>
+              </a:lnSpc>
+              <a:spcBef>
+                <a:spcPts val="0"/>
+              </a:spcBef>
+            </a:pPr>
+            <a:r>
+              <a:rPr lang="en-GB" sz="1800" dirty="0">
+                <a:latin typeface="Consolas" panose="020B0609020204030204" pitchFamily="49" charset="0"/>
+              </a:rPr>
+              <a:t>persist-key</a:t>
+            </a:r>
+          </a:p>
+          <a:p>
+            <a:pPr algn="l">
+              <a:lnSpc>
+                <a:spcPct val="100000"/>
+              </a:lnSpc>
+              <a:spcBef>
+                <a:spcPts val="0"/>
+              </a:spcBef>
+            </a:pPr>
+            <a:r>
+              <a:rPr lang="en-GB" sz="1800" dirty="0">
+                <a:latin typeface="Consolas" panose="020B0609020204030204" pitchFamily="49" charset="0"/>
+              </a:rPr>
+              <a:t>persist-</a:t>
+            </a:r>
+            <a:r>
+              <a:rPr lang="en-GB" sz="1800" dirty="0" err="1">
+                <a:latin typeface="Consolas" panose="020B0609020204030204" pitchFamily="49" charset="0"/>
+              </a:rPr>
+              <a:t>tun</a:t>
+            </a:r>
+            <a:endParaRPr lang="en-GB" sz="1800" dirty="0">
+              <a:latin typeface="Consolas" panose="020B0609020204030204" pitchFamily="49" charset="0"/>
+            </a:endParaRPr>
+          </a:p>
+          <a:p>
+            <a:pPr algn="l">
+              <a:lnSpc>
+                <a:spcPct val="100000"/>
+              </a:lnSpc>
+              <a:spcBef>
+                <a:spcPts val="0"/>
+              </a:spcBef>
+            </a:pPr>
+            <a:r>
+              <a:rPr lang="en-GB" sz="1800" dirty="0">
+                <a:latin typeface="Consolas" panose="020B0609020204030204" pitchFamily="49" charset="0"/>
+              </a:rPr>
+              <a:t>remote-cert-</a:t>
+            </a:r>
+            <a:r>
+              <a:rPr lang="en-GB" sz="1800" dirty="0" err="1">
+                <a:latin typeface="Consolas" panose="020B0609020204030204" pitchFamily="49" charset="0"/>
+              </a:rPr>
+              <a:t>tls</a:t>
+            </a:r>
+            <a:r>
+              <a:rPr lang="en-GB" sz="1800" dirty="0">
+                <a:latin typeface="Consolas" panose="020B0609020204030204" pitchFamily="49" charset="0"/>
+              </a:rPr>
+              <a:t> server</a:t>
+            </a:r>
+          </a:p>
+          <a:p>
+            <a:pPr algn="l">
+              <a:lnSpc>
+                <a:spcPct val="100000"/>
+              </a:lnSpc>
+              <a:spcBef>
+                <a:spcPts val="0"/>
+              </a:spcBef>
+            </a:pPr>
+            <a:r>
+              <a:rPr lang="en-GB" sz="1800" dirty="0">
+                <a:latin typeface="Consolas" panose="020B0609020204030204" pitchFamily="49" charset="0"/>
+              </a:rPr>
+              <a:t>comp-</a:t>
+            </a:r>
+            <a:r>
+              <a:rPr lang="en-GB" sz="1800" dirty="0" err="1">
+                <a:latin typeface="Consolas" panose="020B0609020204030204" pitchFamily="49" charset="0"/>
+              </a:rPr>
+              <a:t>lzo</a:t>
+            </a:r>
+            <a:endParaRPr lang="en-GB" sz="1800" dirty="0">
+              <a:latin typeface="Consolas" panose="020B0609020204030204" pitchFamily="49" charset="0"/>
+            </a:endParaRPr>
+          </a:p>
+          <a:p>
+            <a:pPr algn="l">
+              <a:lnSpc>
+                <a:spcPct val="100000"/>
+              </a:lnSpc>
+              <a:spcBef>
+                <a:spcPts val="0"/>
+              </a:spcBef>
+            </a:pPr>
+            <a:r>
+              <a:rPr lang="en-GB" sz="1800" dirty="0">
+                <a:latin typeface="Consolas" panose="020B0609020204030204" pitchFamily="49" charset="0"/>
+              </a:rPr>
+              <a:t>verb 3</a:t>
+            </a:r>
+          </a:p>
+          <a:p>
+            <a:pPr algn="l">
+              <a:lnSpc>
+                <a:spcPct val="100000"/>
+              </a:lnSpc>
+              <a:spcBef>
+                <a:spcPts val="0"/>
+              </a:spcBef>
+            </a:pPr>
+            <a:r>
+              <a:rPr lang="en-GB" sz="1800" dirty="0">
+                <a:latin typeface="Consolas" panose="020B0609020204030204" pitchFamily="49" charset="0"/>
+              </a:rPr>
+              <a:t>;mute 20</a:t>
+            </a:r>
+          </a:p>
+          <a:p>
+            <a:pPr algn="l">
+              <a:lnSpc>
+                <a:spcPct val="100000"/>
+              </a:lnSpc>
+              <a:spcBef>
+                <a:spcPts val="0"/>
+              </a:spcBef>
+            </a:pPr>
+            <a:endParaRPr lang="en-GB" sz="1800" dirty="0">
+              <a:latin typeface="Consolas" panose="020B0609020204030204" pitchFamily="49" charset="0"/>
+            </a:endParaRPr>
+          </a:p>
+          <a:p>
+            <a:pPr algn="l">
+              <a:lnSpc>
+                <a:spcPct val="100000"/>
+              </a:lnSpc>
+              <a:spcBef>
+                <a:spcPts val="0"/>
+              </a:spcBef>
+            </a:pPr>
+            <a:r>
+              <a:rPr lang="en-GB" sz="1800" dirty="0">
+                <a:latin typeface="Consolas" panose="020B0609020204030204" pitchFamily="49" charset="0"/>
+              </a:rPr>
+              <a:t>key-direction 1</a:t>
+            </a:r>
+          </a:p>
+          <a:p>
+            <a:pPr algn="l">
+              <a:lnSpc>
+                <a:spcPct val="100000"/>
+              </a:lnSpc>
+              <a:spcBef>
+                <a:spcPts val="0"/>
+              </a:spcBef>
+            </a:pPr>
+            <a:endParaRPr lang="en-GB" sz="1800" dirty="0">
+              <a:latin typeface="Consolas" panose="020B0609020204030204" pitchFamily="49" charset="0"/>
+            </a:endParaRPr>
+          </a:p>
+          <a:p>
+            <a:pPr algn="l">
+              <a:lnSpc>
+                <a:spcPct val="100000"/>
+              </a:lnSpc>
+              <a:spcBef>
+                <a:spcPts val="0"/>
+              </a:spcBef>
+            </a:pPr>
+            <a:endParaRPr lang="en-GB" sz="1800" dirty="0">
+              <a:latin typeface="Consolas" panose="020B0609020204030204" pitchFamily="49" charset="0"/>
+            </a:endParaRPr>
+          </a:p>
+          <a:p>
+            <a:pPr algn="l">
+              <a:lnSpc>
+                <a:spcPct val="100000"/>
+              </a:lnSpc>
+              <a:spcBef>
+                <a:spcPts val="0"/>
+              </a:spcBef>
+            </a:pPr>
+            <a:r>
+              <a:rPr lang="en-GB" sz="1800" dirty="0">
+                <a:latin typeface="Consolas" panose="020B0609020204030204" pitchFamily="49" charset="0"/>
+              </a:rPr>
+              <a:t>&lt;ca&gt;</a:t>
+            </a:r>
+          </a:p>
+          <a:p>
+            <a:pPr algn="l">
+              <a:lnSpc>
+                <a:spcPct val="100000"/>
+              </a:lnSpc>
+              <a:spcBef>
+                <a:spcPts val="0"/>
+              </a:spcBef>
+            </a:pPr>
+            <a:r>
+              <a:rPr lang="en-GB" sz="1800" dirty="0">
+                <a:latin typeface="Consolas" panose="020B0609020204030204" pitchFamily="49" charset="0"/>
+              </a:rPr>
+              <a:t># INSERT ROOT CERT HERE</a:t>
+            </a:r>
+          </a:p>
+          <a:p>
+            <a:pPr algn="l">
+              <a:lnSpc>
+                <a:spcPct val="100000"/>
+              </a:lnSpc>
+              <a:spcBef>
+                <a:spcPts val="0"/>
+              </a:spcBef>
+            </a:pPr>
+            <a:r>
+              <a:rPr lang="en-GB" sz="1800" dirty="0">
+                <a:latin typeface="Consolas" panose="020B0609020204030204" pitchFamily="49" charset="0"/>
+              </a:rPr>
+              <a:t>&lt;/ca&gt;</a:t>
+            </a:r>
+          </a:p>
+          <a:p>
+            <a:pPr algn="l">
+              <a:lnSpc>
+                <a:spcPct val="100000"/>
+              </a:lnSpc>
+              <a:spcBef>
+                <a:spcPts val="0"/>
+              </a:spcBef>
+            </a:pPr>
+            <a:endParaRPr lang="en-GB" sz="1800" dirty="0">
+              <a:latin typeface="Consolas" panose="020B0609020204030204" pitchFamily="49" charset="0"/>
+            </a:endParaRPr>
+          </a:p>
+          <a:p>
+            <a:pPr algn="l">
+              <a:lnSpc>
+                <a:spcPct val="100000"/>
+              </a:lnSpc>
+              <a:spcBef>
+                <a:spcPts val="0"/>
+              </a:spcBef>
+            </a:pPr>
+            <a:r>
+              <a:rPr lang="en-GB" sz="1800" dirty="0">
+                <a:latin typeface="Consolas" panose="020B0609020204030204" pitchFamily="49" charset="0"/>
+              </a:rPr>
+              <a:t>&lt;cert&gt;</a:t>
+            </a:r>
+          </a:p>
+          <a:p>
+            <a:pPr algn="l">
+              <a:lnSpc>
+                <a:spcPct val="100000"/>
+              </a:lnSpc>
+              <a:spcBef>
+                <a:spcPts val="0"/>
+              </a:spcBef>
+            </a:pPr>
+            <a:r>
+              <a:rPr lang="en-GB" sz="1800" dirty="0">
+                <a:latin typeface="Consolas" panose="020B0609020204030204" pitchFamily="49" charset="0"/>
+              </a:rPr>
+              <a:t># INSERT VPNCLIENT CERT HERE</a:t>
+            </a:r>
+          </a:p>
+          <a:p>
+            <a:pPr algn="l">
+              <a:lnSpc>
+                <a:spcPct val="100000"/>
+              </a:lnSpc>
+              <a:spcBef>
+                <a:spcPts val="0"/>
+              </a:spcBef>
+            </a:pPr>
+            <a:r>
+              <a:rPr lang="en-GB" sz="1800" dirty="0">
+                <a:latin typeface="Consolas" panose="020B0609020204030204" pitchFamily="49" charset="0"/>
+              </a:rPr>
+              <a:t>&lt;/cert&gt;</a:t>
+            </a:r>
+          </a:p>
+          <a:p>
+            <a:pPr algn="l">
+              <a:lnSpc>
+                <a:spcPct val="100000"/>
+              </a:lnSpc>
+              <a:spcBef>
+                <a:spcPts val="0"/>
+              </a:spcBef>
+            </a:pPr>
+            <a:endParaRPr lang="en-GB" sz="1800" dirty="0">
+              <a:latin typeface="Consolas" panose="020B0609020204030204" pitchFamily="49" charset="0"/>
+            </a:endParaRPr>
+          </a:p>
+          <a:p>
+            <a:pPr algn="l">
+              <a:lnSpc>
+                <a:spcPct val="100000"/>
+              </a:lnSpc>
+              <a:spcBef>
+                <a:spcPts val="0"/>
+              </a:spcBef>
+            </a:pPr>
+            <a:r>
+              <a:rPr lang="en-GB" sz="1800" dirty="0">
+                <a:latin typeface="Consolas" panose="020B0609020204030204" pitchFamily="49" charset="0"/>
+              </a:rPr>
+              <a:t>&lt;key&gt;</a:t>
+            </a:r>
+          </a:p>
+          <a:p>
+            <a:pPr algn="l">
+              <a:lnSpc>
+                <a:spcPct val="100000"/>
+              </a:lnSpc>
+              <a:spcBef>
+                <a:spcPts val="0"/>
+              </a:spcBef>
+            </a:pPr>
+            <a:r>
+              <a:rPr lang="en-GB" sz="1800" dirty="0">
+                <a:latin typeface="Consolas" panose="020B0609020204030204" pitchFamily="49" charset="0"/>
+              </a:rPr>
+              <a:t># INSERT VPNCLIENT KEY HERE</a:t>
+            </a:r>
+          </a:p>
+          <a:p>
+            <a:pPr algn="l">
+              <a:lnSpc>
+                <a:spcPct val="100000"/>
+              </a:lnSpc>
+              <a:spcBef>
+                <a:spcPts val="0"/>
+              </a:spcBef>
+            </a:pPr>
+            <a:r>
+              <a:rPr lang="en-GB" sz="1800" dirty="0">
+                <a:latin typeface="Consolas" panose="020B0609020204030204" pitchFamily="49" charset="0"/>
+              </a:rPr>
+              <a:t>&lt;/key&gt;</a:t>
+            </a:r>
+          </a:p>
+          <a:p>
+            <a:pPr algn="l">
+              <a:lnSpc>
+                <a:spcPct val="100000"/>
+              </a:lnSpc>
+              <a:spcBef>
+                <a:spcPts val="0"/>
+              </a:spcBef>
+            </a:pPr>
+            <a:endParaRPr lang="en-GB" sz="1800" dirty="0">
+              <a:latin typeface="Consolas" panose="020B0609020204030204" pitchFamily="49" charset="0"/>
+            </a:endParaRPr>
+          </a:p>
+          <a:p>
+            <a:pPr algn="l">
+              <a:lnSpc>
+                <a:spcPct val="100000"/>
+              </a:lnSpc>
+              <a:spcBef>
+                <a:spcPts val="0"/>
+              </a:spcBef>
+            </a:pPr>
+            <a:r>
+              <a:rPr lang="en-GB" sz="1800" dirty="0">
+                <a:latin typeface="Consolas" panose="020B0609020204030204" pitchFamily="49" charset="0"/>
+              </a:rPr>
+              <a:t>&lt;dh&gt;</a:t>
+            </a:r>
+          </a:p>
+          <a:p>
+            <a:pPr algn="l">
+              <a:lnSpc>
+                <a:spcPct val="100000"/>
+              </a:lnSpc>
+              <a:spcBef>
+                <a:spcPts val="0"/>
+              </a:spcBef>
+            </a:pPr>
+            <a:r>
+              <a:rPr lang="en-GB" sz="1800" dirty="0">
+                <a:latin typeface="Consolas" panose="020B0609020204030204" pitchFamily="49" charset="0"/>
+              </a:rPr>
+              <a:t># INSERT DH2048PEM KEY HERE</a:t>
+            </a:r>
+          </a:p>
+          <a:p>
+            <a:pPr algn="l">
+              <a:lnSpc>
+                <a:spcPct val="100000"/>
+              </a:lnSpc>
+              <a:spcBef>
+                <a:spcPts val="0"/>
+              </a:spcBef>
+            </a:pPr>
+            <a:r>
+              <a:rPr lang="en-GB" sz="1800" dirty="0">
+                <a:latin typeface="Consolas" panose="020B0609020204030204" pitchFamily="49" charset="0"/>
+              </a:rPr>
+              <a:t>&lt;/dh&gt;</a:t>
+            </a:r>
+          </a:p>
+          <a:p>
+            <a:pPr algn="l">
+              <a:lnSpc>
+                <a:spcPct val="100000"/>
+              </a:lnSpc>
+              <a:spcBef>
+                <a:spcPts val="0"/>
+              </a:spcBef>
+            </a:pPr>
+            <a:endParaRPr lang="en-GB" sz="1800" dirty="0">
+              <a:latin typeface="Consolas" panose="020B0609020204030204" pitchFamily="49" charset="0"/>
+            </a:endParaRPr>
+          </a:p>
+          <a:p>
+            <a:pPr algn="l">
+              <a:lnSpc>
+                <a:spcPct val="100000"/>
+              </a:lnSpc>
+              <a:spcBef>
+                <a:spcPts val="0"/>
+              </a:spcBef>
+            </a:pPr>
+            <a:r>
+              <a:rPr lang="en-GB" sz="1800" dirty="0">
+                <a:latin typeface="Consolas" panose="020B0609020204030204" pitchFamily="49" charset="0"/>
+              </a:rPr>
+              <a:t>&lt;</a:t>
+            </a:r>
+            <a:r>
+              <a:rPr lang="en-GB" sz="1800" dirty="0" err="1">
+                <a:latin typeface="Consolas" panose="020B0609020204030204" pitchFamily="49" charset="0"/>
+              </a:rPr>
+              <a:t>tls-auth</a:t>
+            </a:r>
+            <a:r>
+              <a:rPr lang="en-GB" sz="1800" dirty="0">
+                <a:latin typeface="Consolas" panose="020B0609020204030204" pitchFamily="49" charset="0"/>
+              </a:rPr>
+              <a:t>&gt;</a:t>
+            </a:r>
+          </a:p>
+          <a:p>
+            <a:pPr algn="l">
+              <a:lnSpc>
+                <a:spcPct val="100000"/>
+              </a:lnSpc>
+              <a:spcBef>
+                <a:spcPts val="0"/>
+              </a:spcBef>
+            </a:pPr>
+            <a:r>
+              <a:rPr lang="en-GB" sz="1800" dirty="0">
+                <a:latin typeface="Consolas" panose="020B0609020204030204" pitchFamily="49" charset="0"/>
+              </a:rPr>
+              <a:t># INSERT OPENVPN TA.KEY HERE</a:t>
+            </a:r>
+          </a:p>
+          <a:p>
+            <a:pPr algn="l">
+              <a:lnSpc>
+                <a:spcPct val="100000"/>
+              </a:lnSpc>
+              <a:spcBef>
+                <a:spcPts val="0"/>
+              </a:spcBef>
+            </a:pPr>
+            <a:r>
+              <a:rPr lang="en-GB" sz="1800" dirty="0">
+                <a:latin typeface="Consolas" panose="020B0609020204030204" pitchFamily="49" charset="0"/>
+              </a:rPr>
+              <a:t>&lt;/</a:t>
+            </a:r>
+            <a:r>
+              <a:rPr lang="en-GB" sz="1800" dirty="0" err="1">
+                <a:latin typeface="Consolas" panose="020B0609020204030204" pitchFamily="49" charset="0"/>
+              </a:rPr>
+              <a:t>tls-auth</a:t>
+            </a:r>
+            <a:r>
+              <a:rPr lang="en-GB" sz="1800" dirty="0">
+                <a:latin typeface="Consolas" panose="020B0609020204030204" pitchFamily="49" charset="0"/>
+              </a:rPr>
+              <a:t>&gt;</a:t>
+            </a:r>
+          </a:p>
+          <a:p>
+            <a:pPr algn="l">
+              <a:lnSpc>
+                <a:spcPct val="100000"/>
+              </a:lnSpc>
+              <a:spcBef>
+                <a:spcPts val="0"/>
+              </a:spcBef>
+            </a:pPr>
+            <a:endParaRPr lang="en-GB" sz="1800" dirty="0">
+              <a:latin typeface="Consolas" panose="020B0609020204030204" pitchFamily="49" charset="0"/>
+            </a:endParaRPr>
           </a:p>
         </p:txBody>
       </p:sp>
     </p:spTree>
     <p:extLst>
       <p:ext uri="{BB962C8B-B14F-4D97-AF65-F5344CB8AC3E}">
-        <p14:creationId xmlns:p14="http://schemas.microsoft.com/office/powerpoint/2010/main" val="2557110595"/>
+        <p14:creationId xmlns:p14="http://schemas.microsoft.com/office/powerpoint/2010/main" val="2731555519"/>
       </p:ext>
     </p:extLst>
   </p:cSld>
